--- a/4. Hands-on Modules/Embedding/3. Getting Started Module.pptx
+++ b/4. Hands-on Modules/Embedding/3. Getting Started Module.pptx
@@ -6,19 +6,22 @@
     <p:sldMasterId id="2147483665" r:id="rId5"/>
   </p:sldMasterIdLst>
   <p:notesMasterIdLst>
-    <p:notesMasterId r:id="rId16"/>
+    <p:notesMasterId r:id="rId19"/>
   </p:notesMasterIdLst>
   <p:sldIdLst>
     <p:sldId id="300" r:id="rId6"/>
     <p:sldId id="312" r:id="rId7"/>
     <p:sldId id="323" r:id="rId8"/>
-    <p:sldId id="258" r:id="rId9"/>
-    <p:sldId id="260" r:id="rId10"/>
-    <p:sldId id="261" r:id="rId11"/>
-    <p:sldId id="339" r:id="rId12"/>
-    <p:sldId id="335" r:id="rId13"/>
-    <p:sldId id="333" r:id="rId14"/>
-    <p:sldId id="341" r:id="rId15"/>
+    <p:sldId id="343" r:id="rId9"/>
+    <p:sldId id="347" r:id="rId10"/>
+    <p:sldId id="258" r:id="rId11"/>
+    <p:sldId id="260" r:id="rId12"/>
+    <p:sldId id="344" r:id="rId13"/>
+    <p:sldId id="342" r:id="rId14"/>
+    <p:sldId id="345" r:id="rId15"/>
+    <p:sldId id="346" r:id="rId16"/>
+    <p:sldId id="333" r:id="rId17"/>
+    <p:sldId id="341" r:id="rId18"/>
   </p:sldIdLst>
   <p:sldSz cx="12192000" cy="6858000"/>
   <p:notesSz cx="6858000" cy="9144000"/>
@@ -765,7 +768,7 @@
           <a:p>
             <a:fld id="{35A2D088-BDBD-41A5-ADCE-5C6A4DC08057}" type="datetime8">
               <a:rPr lang="en-US" smtClean="0"/>
-              <a:t>3/4/2019 12:39 PM</a:t>
+              <a:t>3/4/2019 9:34 PM</a:t>
             </a:fld>
             <a:endParaRPr lang="en-US" dirty="0"/>
           </a:p>
@@ -1030,7 +1033,7 @@
           <a:p>
             <a:fld id="{35A2D088-BDBD-41A5-ADCE-5C6A4DC08057}" type="datetime8">
               <a:rPr lang="en-US" smtClean="0"/>
-              <a:t>3/4/2019 12:39 PM</a:t>
+              <a:t>3/4/2019 9:34 PM</a:t>
             </a:fld>
             <a:endParaRPr lang="en-US" dirty="0"/>
           </a:p>
@@ -1054,7 +1057,7 @@
             <a:fld id="{B4008EB6-D09E-4580-8CD6-DDB14511944F}" type="slidenum">
               <a:rPr lang="en-US" smtClean="0"/>
               <a:pPr/>
-              <a:t>9</a:t>
+              <a:t>12</a:t>
             </a:fld>
             <a:endParaRPr lang="en-US" dirty="0"/>
           </a:p>
@@ -1249,7 +1252,7 @@
                 <a:tabLst/>
                 <a:defRPr/>
               </a:pPr>
-              <a:t>3/4/2019 12:40 PM</a:t>
+              <a:t>3/4/2019 9:34 PM</a:t>
             </a:fld>
             <a:endParaRPr kumimoji="0" lang="en-US" sz="1200" b="0" i="0" u="none" strike="noStrike" kern="1200" cap="none" spc="0" normalizeH="0" baseline="0" noProof="0" dirty="0">
               <a:ln>
@@ -1332,7 +1335,7 @@
                 <a:tabLst/>
                 <a:defRPr/>
               </a:pPr>
-              <a:t>10</a:t>
+              <a:t>13</a:t>
             </a:fld>
             <a:endParaRPr kumimoji="0" lang="en-US" sz="1200" b="0" i="0" u="none" strike="noStrike" kern="1200" cap="none" spc="0" normalizeH="0" baseline="0" noProof="0" dirty="0">
               <a:ln>
@@ -11536,418 +11539,6 @@
     <p:extLst>
       <p:ext uri="{BB962C8B-B14F-4D97-AF65-F5344CB8AC3E}">
         <p14:creationId xmlns:p14="http://schemas.microsoft.com/office/powerpoint/2010/main" val="3531977097"/>
-      </p:ext>
-    </p:extLst>
-  </p:cSld>
-  <p:clrMapOvr>
-    <a:masterClrMapping/>
-  </p:clrMapOvr>
-</p:sldLayout>
-</file>
-
-<file path=ppt/slideLayouts/slideLayout31.xml><?xml version="1.0" encoding="utf-8"?>
-<p:sldLayout xmlns:a="http://schemas.openxmlformats.org/drawingml/2006/main" xmlns:r="http://schemas.openxmlformats.org/officeDocument/2006/relationships" xmlns:p="http://schemas.openxmlformats.org/presentationml/2006/main" type="twoTxTwoObj">
-  <p:cSld name="Comparison">
-    <p:spTree>
-      <p:nvGrpSpPr>
-        <p:cNvPr id="1" name=""/>
-        <p:cNvGrpSpPr/>
-        <p:nvPr/>
-      </p:nvGrpSpPr>
-      <p:grpSpPr>
-        <a:xfrm>
-          <a:off x="0" y="0"/>
-          <a:ext cx="0" cy="0"/>
-          <a:chOff x="0" y="0"/>
-          <a:chExt cx="0" cy="0"/>
-        </a:xfrm>
-      </p:grpSpPr>
-      <p:sp>
-        <p:nvSpPr>
-          <p:cNvPr id="2" name="Title 1">
-            <a:extLst>
-              <a:ext uri="{FF2B5EF4-FFF2-40B4-BE49-F238E27FC236}">
-                <a16:creationId xmlns:a16="http://schemas.microsoft.com/office/drawing/2014/main" id="{FBE05982-4128-4C74-A82F-6F0BF058E910}"/>
-              </a:ext>
-            </a:extLst>
-          </p:cNvPr>
-          <p:cNvSpPr>
-            <a:spLocks noGrp="1"/>
-          </p:cNvSpPr>
-          <p:nvPr>
-            <p:ph type="title"/>
-          </p:nvPr>
-        </p:nvSpPr>
-        <p:spPr>
-          <a:xfrm>
-            <a:off x="839788" y="365125"/>
-            <a:ext cx="10515600" cy="1325563"/>
-          </a:xfrm>
-        </p:spPr>
-        <p:txBody>
-          <a:bodyPr/>
-          <a:lstStyle/>
-          <a:p>
-            <a:r>
-              <a:rPr lang="en-US"/>
-              <a:t>Click to edit Master title style</a:t>
-            </a:r>
-          </a:p>
-        </p:txBody>
-      </p:sp>
-      <p:sp>
-        <p:nvSpPr>
-          <p:cNvPr id="3" name="Text Placeholder 2">
-            <a:extLst>
-              <a:ext uri="{FF2B5EF4-FFF2-40B4-BE49-F238E27FC236}">
-                <a16:creationId xmlns:a16="http://schemas.microsoft.com/office/drawing/2014/main" id="{0AFF7815-6F55-41D9-974B-EE38A502FCDB}"/>
-              </a:ext>
-            </a:extLst>
-          </p:cNvPr>
-          <p:cNvSpPr>
-            <a:spLocks noGrp="1"/>
-          </p:cNvSpPr>
-          <p:nvPr>
-            <p:ph type="body" idx="1"/>
-          </p:nvPr>
-        </p:nvSpPr>
-        <p:spPr>
-          <a:xfrm>
-            <a:off x="839788" y="1681163"/>
-            <a:ext cx="5157787" cy="823912"/>
-          </a:xfrm>
-        </p:spPr>
-        <p:txBody>
-          <a:bodyPr anchor="b"/>
-          <a:lstStyle>
-            <a:lvl1pPr marL="0" indent="0">
-              <a:buNone/>
-              <a:defRPr sz="2400" b="1"/>
-            </a:lvl1pPr>
-            <a:lvl2pPr marL="457200" indent="0">
-              <a:buNone/>
-              <a:defRPr sz="2000" b="1"/>
-            </a:lvl2pPr>
-            <a:lvl3pPr marL="914400" indent="0">
-              <a:buNone/>
-              <a:defRPr sz="1800" b="1"/>
-            </a:lvl3pPr>
-            <a:lvl4pPr marL="1371600" indent="0">
-              <a:buNone/>
-              <a:defRPr sz="1600" b="1"/>
-            </a:lvl4pPr>
-            <a:lvl5pPr marL="1828800" indent="0">
-              <a:buNone/>
-              <a:defRPr sz="1600" b="1"/>
-            </a:lvl5pPr>
-            <a:lvl6pPr marL="2286000" indent="0">
-              <a:buNone/>
-              <a:defRPr sz="1600" b="1"/>
-            </a:lvl6pPr>
-            <a:lvl7pPr marL="2743200" indent="0">
-              <a:buNone/>
-              <a:defRPr sz="1600" b="1"/>
-            </a:lvl7pPr>
-            <a:lvl8pPr marL="3200400" indent="0">
-              <a:buNone/>
-              <a:defRPr sz="1600" b="1"/>
-            </a:lvl8pPr>
-            <a:lvl9pPr marL="3657600" indent="0">
-              <a:buNone/>
-              <a:defRPr sz="1600" b="1"/>
-            </a:lvl9pPr>
-          </a:lstStyle>
-          <a:p>
-            <a:pPr lvl="0"/>
-            <a:r>
-              <a:rPr lang="en-US"/>
-              <a:t>Edit Master text styles</a:t>
-            </a:r>
-          </a:p>
-        </p:txBody>
-      </p:sp>
-      <p:sp>
-        <p:nvSpPr>
-          <p:cNvPr id="4" name="Content Placeholder 3">
-            <a:extLst>
-              <a:ext uri="{FF2B5EF4-FFF2-40B4-BE49-F238E27FC236}">
-                <a16:creationId xmlns:a16="http://schemas.microsoft.com/office/drawing/2014/main" id="{D2B98FC6-D6EB-4E66-9E44-3C23F16FB85D}"/>
-              </a:ext>
-            </a:extLst>
-          </p:cNvPr>
-          <p:cNvSpPr>
-            <a:spLocks noGrp="1"/>
-          </p:cNvSpPr>
-          <p:nvPr>
-            <p:ph sz="half" idx="2"/>
-          </p:nvPr>
-        </p:nvSpPr>
-        <p:spPr>
-          <a:xfrm>
-            <a:off x="839788" y="2505075"/>
-            <a:ext cx="5157787" cy="3684588"/>
-          </a:xfrm>
-        </p:spPr>
-        <p:txBody>
-          <a:bodyPr/>
-          <a:lstStyle/>
-          <a:p>
-            <a:pPr lvl="0"/>
-            <a:r>
-              <a:rPr lang="en-US"/>
-              <a:t>Edit Master text styles</a:t>
-            </a:r>
-          </a:p>
-          <a:p>
-            <a:pPr lvl="1"/>
-            <a:r>
-              <a:rPr lang="en-US"/>
-              <a:t>Second level</a:t>
-            </a:r>
-          </a:p>
-          <a:p>
-            <a:pPr lvl="2"/>
-            <a:r>
-              <a:rPr lang="en-US"/>
-              <a:t>Third level</a:t>
-            </a:r>
-          </a:p>
-          <a:p>
-            <a:pPr lvl="3"/>
-            <a:r>
-              <a:rPr lang="en-US"/>
-              <a:t>Fourth level</a:t>
-            </a:r>
-          </a:p>
-          <a:p>
-            <a:pPr lvl="4"/>
-            <a:r>
-              <a:rPr lang="en-US"/>
-              <a:t>Fifth level</a:t>
-            </a:r>
-          </a:p>
-        </p:txBody>
-      </p:sp>
-      <p:sp>
-        <p:nvSpPr>
-          <p:cNvPr id="5" name="Text Placeholder 4">
-            <a:extLst>
-              <a:ext uri="{FF2B5EF4-FFF2-40B4-BE49-F238E27FC236}">
-                <a16:creationId xmlns:a16="http://schemas.microsoft.com/office/drawing/2014/main" id="{B952DB83-BA9E-4755-9DAE-5D7142971AFE}"/>
-              </a:ext>
-            </a:extLst>
-          </p:cNvPr>
-          <p:cNvSpPr>
-            <a:spLocks noGrp="1"/>
-          </p:cNvSpPr>
-          <p:nvPr>
-            <p:ph type="body" sz="quarter" idx="3"/>
-          </p:nvPr>
-        </p:nvSpPr>
-        <p:spPr>
-          <a:xfrm>
-            <a:off x="6172200" y="1681163"/>
-            <a:ext cx="5183188" cy="823912"/>
-          </a:xfrm>
-        </p:spPr>
-        <p:txBody>
-          <a:bodyPr anchor="b"/>
-          <a:lstStyle>
-            <a:lvl1pPr marL="0" indent="0">
-              <a:buNone/>
-              <a:defRPr sz="2400" b="1"/>
-            </a:lvl1pPr>
-            <a:lvl2pPr marL="457200" indent="0">
-              <a:buNone/>
-              <a:defRPr sz="2000" b="1"/>
-            </a:lvl2pPr>
-            <a:lvl3pPr marL="914400" indent="0">
-              <a:buNone/>
-              <a:defRPr sz="1800" b="1"/>
-            </a:lvl3pPr>
-            <a:lvl4pPr marL="1371600" indent="0">
-              <a:buNone/>
-              <a:defRPr sz="1600" b="1"/>
-            </a:lvl4pPr>
-            <a:lvl5pPr marL="1828800" indent="0">
-              <a:buNone/>
-              <a:defRPr sz="1600" b="1"/>
-            </a:lvl5pPr>
-            <a:lvl6pPr marL="2286000" indent="0">
-              <a:buNone/>
-              <a:defRPr sz="1600" b="1"/>
-            </a:lvl6pPr>
-            <a:lvl7pPr marL="2743200" indent="0">
-              <a:buNone/>
-              <a:defRPr sz="1600" b="1"/>
-            </a:lvl7pPr>
-            <a:lvl8pPr marL="3200400" indent="0">
-              <a:buNone/>
-              <a:defRPr sz="1600" b="1"/>
-            </a:lvl8pPr>
-            <a:lvl9pPr marL="3657600" indent="0">
-              <a:buNone/>
-              <a:defRPr sz="1600" b="1"/>
-            </a:lvl9pPr>
-          </a:lstStyle>
-          <a:p>
-            <a:pPr lvl="0"/>
-            <a:r>
-              <a:rPr lang="en-US"/>
-              <a:t>Edit Master text styles</a:t>
-            </a:r>
-          </a:p>
-        </p:txBody>
-      </p:sp>
-      <p:sp>
-        <p:nvSpPr>
-          <p:cNvPr id="6" name="Content Placeholder 5">
-            <a:extLst>
-              <a:ext uri="{FF2B5EF4-FFF2-40B4-BE49-F238E27FC236}">
-                <a16:creationId xmlns:a16="http://schemas.microsoft.com/office/drawing/2014/main" id="{48AC0E1F-988F-49C2-BADE-8A6C0F94A8A6}"/>
-              </a:ext>
-            </a:extLst>
-          </p:cNvPr>
-          <p:cNvSpPr>
-            <a:spLocks noGrp="1"/>
-          </p:cNvSpPr>
-          <p:nvPr>
-            <p:ph sz="quarter" idx="4"/>
-          </p:nvPr>
-        </p:nvSpPr>
-        <p:spPr>
-          <a:xfrm>
-            <a:off x="6172200" y="2505075"/>
-            <a:ext cx="5183188" cy="3684588"/>
-          </a:xfrm>
-        </p:spPr>
-        <p:txBody>
-          <a:bodyPr/>
-          <a:lstStyle/>
-          <a:p>
-            <a:pPr lvl="0"/>
-            <a:r>
-              <a:rPr lang="en-US"/>
-              <a:t>Edit Master text styles</a:t>
-            </a:r>
-          </a:p>
-          <a:p>
-            <a:pPr lvl="1"/>
-            <a:r>
-              <a:rPr lang="en-US"/>
-              <a:t>Second level</a:t>
-            </a:r>
-          </a:p>
-          <a:p>
-            <a:pPr lvl="2"/>
-            <a:r>
-              <a:rPr lang="en-US"/>
-              <a:t>Third level</a:t>
-            </a:r>
-          </a:p>
-          <a:p>
-            <a:pPr lvl="3"/>
-            <a:r>
-              <a:rPr lang="en-US"/>
-              <a:t>Fourth level</a:t>
-            </a:r>
-          </a:p>
-          <a:p>
-            <a:pPr lvl="4"/>
-            <a:r>
-              <a:rPr lang="en-US"/>
-              <a:t>Fifth level</a:t>
-            </a:r>
-          </a:p>
-        </p:txBody>
-      </p:sp>
-      <p:sp>
-        <p:nvSpPr>
-          <p:cNvPr id="7" name="Date Placeholder 6">
-            <a:extLst>
-              <a:ext uri="{FF2B5EF4-FFF2-40B4-BE49-F238E27FC236}">
-                <a16:creationId xmlns:a16="http://schemas.microsoft.com/office/drawing/2014/main" id="{E9F937FE-B24B-43F8-AA79-6E6EEA685A25}"/>
-              </a:ext>
-            </a:extLst>
-          </p:cNvPr>
-          <p:cNvSpPr>
-            <a:spLocks noGrp="1"/>
-          </p:cNvSpPr>
-          <p:nvPr>
-            <p:ph type="dt" sz="half" idx="10"/>
-          </p:nvPr>
-        </p:nvSpPr>
-        <p:spPr/>
-        <p:txBody>
-          <a:bodyPr/>
-          <a:lstStyle/>
-          <a:p>
-            <a:fld id="{1279C872-40C5-4778-A459-913B2790679C}" type="datetimeFigureOut">
-              <a:rPr lang="en-US" smtClean="0"/>
-              <a:t>3/4/2019</a:t>
-            </a:fld>
-            <a:endParaRPr lang="en-US"/>
-          </a:p>
-        </p:txBody>
-      </p:sp>
-      <p:sp>
-        <p:nvSpPr>
-          <p:cNvPr id="8" name="Footer Placeholder 7">
-            <a:extLst>
-              <a:ext uri="{FF2B5EF4-FFF2-40B4-BE49-F238E27FC236}">
-                <a16:creationId xmlns:a16="http://schemas.microsoft.com/office/drawing/2014/main" id="{68827D29-E907-475D-95CD-8A4ECF082A5C}"/>
-              </a:ext>
-            </a:extLst>
-          </p:cNvPr>
-          <p:cNvSpPr>
-            <a:spLocks noGrp="1"/>
-          </p:cNvSpPr>
-          <p:nvPr>
-            <p:ph type="ftr" sz="quarter" idx="11"/>
-          </p:nvPr>
-        </p:nvSpPr>
-        <p:spPr/>
-        <p:txBody>
-          <a:bodyPr/>
-          <a:lstStyle/>
-          <a:p>
-            <a:endParaRPr lang="en-US"/>
-          </a:p>
-        </p:txBody>
-      </p:sp>
-      <p:sp>
-        <p:nvSpPr>
-          <p:cNvPr id="9" name="Slide Number Placeholder 8">
-            <a:extLst>
-              <a:ext uri="{FF2B5EF4-FFF2-40B4-BE49-F238E27FC236}">
-                <a16:creationId xmlns:a16="http://schemas.microsoft.com/office/drawing/2014/main" id="{B5F2C0BF-BBC3-41FF-9520-E5229089E22B}"/>
-              </a:ext>
-            </a:extLst>
-          </p:cNvPr>
-          <p:cNvSpPr>
-            <a:spLocks noGrp="1"/>
-          </p:cNvSpPr>
-          <p:nvPr>
-            <p:ph type="sldNum" sz="quarter" idx="12"/>
-          </p:nvPr>
-        </p:nvSpPr>
-        <p:spPr/>
-        <p:txBody>
-          <a:bodyPr/>
-          <a:lstStyle/>
-          <a:p>
-            <a:fld id="{A9750100-3570-4DE3-A91F-E57EAF767500}" type="slidenum">
-              <a:rPr lang="en-US" smtClean="0"/>
-              <a:t>‹#›</a:t>
-            </a:fld>
-            <a:endParaRPr lang="en-US"/>
-          </a:p>
-        </p:txBody>
-      </p:sp>
-    </p:spTree>
-    <p:extLst>
-      <p:ext uri="{BB962C8B-B14F-4D97-AF65-F5344CB8AC3E}">
-        <p14:creationId xmlns:p14="http://schemas.microsoft.com/office/powerpoint/2010/main" val="3972268040"/>
       </p:ext>
     </p:extLst>
   </p:cSld>
@@ -13623,7 +13214,6 @@
     <p:sldLayoutId id="2147483682" r:id="rId17"/>
     <p:sldLayoutId id="2147483683" r:id="rId18"/>
     <p:sldLayoutId id="2147483693" r:id="rId19"/>
-    <p:sldLayoutId id="2147483694" r:id="rId20"/>
   </p:sldLayoutIdLst>
   <p:transition>
     <p:fade/>
@@ -14236,6 +13826,646 @@
 <file path=ppt/slides/slide10.xml><?xml version="1.0" encoding="utf-8"?>
 <p:sld xmlns:a="http://schemas.openxmlformats.org/drawingml/2006/main" xmlns:r="http://schemas.openxmlformats.org/officeDocument/2006/relationships" xmlns:p="http://schemas.openxmlformats.org/presentationml/2006/main">
   <p:cSld>
+    <p:spTree>
+      <p:nvGrpSpPr>
+        <p:cNvPr id="1" name=""/>
+        <p:cNvGrpSpPr/>
+        <p:nvPr/>
+      </p:nvGrpSpPr>
+      <p:grpSpPr>
+        <a:xfrm>
+          <a:off x="0" y="0"/>
+          <a:ext cx="0" cy="0"/>
+          <a:chOff x="0" y="0"/>
+          <a:chExt cx="0" cy="0"/>
+        </a:xfrm>
+      </p:grpSpPr>
+      <p:sp>
+        <p:nvSpPr>
+          <p:cNvPr id="6" name="Text Placeholder 5">
+            <a:extLst>
+              <a:ext uri="{FF2B5EF4-FFF2-40B4-BE49-F238E27FC236}">
+                <a16:creationId xmlns:a16="http://schemas.microsoft.com/office/drawing/2014/main" id="{51D68E8B-FA5E-4B9B-820A-53618EED7EB0}"/>
+              </a:ext>
+            </a:extLst>
+          </p:cNvPr>
+          <p:cNvSpPr>
+            <a:spLocks noGrp="1"/>
+          </p:cNvSpPr>
+          <p:nvPr>
+            <p:ph type="body" sz="quarter" idx="10"/>
+          </p:nvPr>
+        </p:nvSpPr>
+        <p:spPr>
+          <a:xfrm>
+            <a:off x="269239" y="1189177"/>
+            <a:ext cx="11653523" cy="744178"/>
+          </a:xfrm>
+        </p:spPr>
+        <p:txBody>
+          <a:bodyPr/>
+          <a:lstStyle/>
+          <a:p>
+            <a:r>
+              <a:rPr lang="en-US" sz="2020" dirty="0">
+                <a:latin typeface="+mn-lt"/>
+              </a:rPr>
+              <a:t>Enable additional permissions to your application in addition to what the app registration page provides. You can accomplish this task through the Azure AD portal</a:t>
+            </a:r>
+          </a:p>
+        </p:txBody>
+      </p:sp>
+      <p:sp>
+        <p:nvSpPr>
+          <p:cNvPr id="5" name="Title 4">
+            <a:extLst>
+              <a:ext uri="{FF2B5EF4-FFF2-40B4-BE49-F238E27FC236}">
+                <a16:creationId xmlns:a16="http://schemas.microsoft.com/office/drawing/2014/main" id="{24B455FB-AE13-4EE0-8713-341C2BC6C3D7}"/>
+              </a:ext>
+            </a:extLst>
+          </p:cNvPr>
+          <p:cNvSpPr>
+            <a:spLocks noGrp="1"/>
+          </p:cNvSpPr>
+          <p:nvPr>
+            <p:ph type="title"/>
+          </p:nvPr>
+        </p:nvSpPr>
+        <p:spPr/>
+        <p:txBody>
+          <a:bodyPr/>
+          <a:lstStyle/>
+          <a:p>
+            <a:r>
+              <a:rPr lang="en-US" sz="4400" dirty="0"/>
+              <a:t>Apply permissions to your App within Azure AD</a:t>
+            </a:r>
+          </a:p>
+        </p:txBody>
+      </p:sp>
+      <p:sp>
+        <p:nvSpPr>
+          <p:cNvPr id="7" name="Rectangle 6">
+            <a:extLst>
+              <a:ext uri="{FF2B5EF4-FFF2-40B4-BE49-F238E27FC236}">
+                <a16:creationId xmlns:a16="http://schemas.microsoft.com/office/drawing/2014/main" id="{8A500D86-5BE4-4610-8354-A5EC0ED82275}"/>
+              </a:ext>
+            </a:extLst>
+          </p:cNvPr>
+          <p:cNvSpPr/>
+          <p:nvPr/>
+        </p:nvSpPr>
+        <p:spPr>
+          <a:xfrm>
+            <a:off x="269239" y="2794465"/>
+            <a:ext cx="5746080" cy="707886"/>
+          </a:xfrm>
+          <a:prstGeom prst="rect">
+            <a:avLst/>
+          </a:prstGeom>
+        </p:spPr>
+        <p:txBody>
+          <a:bodyPr wrap="square" anchor="ctr">
+            <a:spAutoFit/>
+          </a:bodyPr>
+          <a:lstStyle/>
+          <a:p>
+            <a:pPr marL="342900" indent="-342900">
+              <a:buFont typeface="+mj-lt"/>
+              <a:buAutoNum type="arabicPeriod" startAt="3"/>
+            </a:pPr>
+            <a:r>
+              <a:rPr lang="en-US" sz="2000" dirty="0"/>
+              <a:t>Within </a:t>
+            </a:r>
+            <a:r>
+              <a:rPr lang="en-US" sz="2000" b="1" dirty="0"/>
+              <a:t>Required permissions</a:t>
+            </a:r>
+            <a:r>
+              <a:rPr lang="en-US" sz="2000" dirty="0"/>
+              <a:t>, select </a:t>
+            </a:r>
+            <a:r>
+              <a:rPr lang="en-US" sz="2000" b="1" dirty="0"/>
+              <a:t>Power BI Service (Power BI)</a:t>
+            </a:r>
+            <a:r>
+              <a:rPr lang="en-US" sz="2000" dirty="0"/>
+              <a:t>.</a:t>
+            </a:r>
+          </a:p>
+        </p:txBody>
+      </p:sp>
+      <p:sp>
+        <p:nvSpPr>
+          <p:cNvPr id="10" name="AutoShape 6" descr="Azure AD registered apps">
+            <a:extLst>
+              <a:ext uri="{FF2B5EF4-FFF2-40B4-BE49-F238E27FC236}">
+                <a16:creationId xmlns:a16="http://schemas.microsoft.com/office/drawing/2014/main" id="{115327D9-BCED-4D99-8711-EA38CD0DBFB5}"/>
+              </a:ext>
+            </a:extLst>
+          </p:cNvPr>
+          <p:cNvSpPr>
+            <a:spLocks noChangeAspect="1" noChangeArrowheads="1"/>
+          </p:cNvSpPr>
+          <p:nvPr/>
+        </p:nvSpPr>
+        <p:spPr bwMode="auto">
+          <a:xfrm>
+            <a:off x="5943600" y="3276600"/>
+            <a:ext cx="304800" cy="304800"/>
+          </a:xfrm>
+          <a:prstGeom prst="rect">
+            <a:avLst/>
+          </a:prstGeom>
+          <a:noFill/>
+          <a:extLst>
+            <a:ext uri="{909E8E84-426E-40DD-AFC4-6F175D3DCCD1}">
+              <a14:hiddenFill xmlns:a14="http://schemas.microsoft.com/office/drawing/2010/main">
+                <a:solidFill>
+                  <a:srgbClr val="FFFFFF"/>
+                </a:solidFill>
+              </a14:hiddenFill>
+            </a:ext>
+          </a:extLst>
+        </p:spPr>
+        <p:txBody>
+          <a:bodyPr vert="horz" wrap="square" lIns="91440" tIns="45720" rIns="91440" bIns="45720" numCol="1" anchor="t" anchorCtr="0" compatLnSpc="1">
+            <a:prstTxWarp prst="textNoShape">
+              <a:avLst/>
+            </a:prstTxWarp>
+          </a:bodyPr>
+          <a:lstStyle/>
+          <a:p>
+            <a:endParaRPr lang="en-US"/>
+          </a:p>
+        </p:txBody>
+      </p:sp>
+      <p:sp>
+        <p:nvSpPr>
+          <p:cNvPr id="12" name="Rectangle 11">
+            <a:extLst>
+              <a:ext uri="{FF2B5EF4-FFF2-40B4-BE49-F238E27FC236}">
+                <a16:creationId xmlns:a16="http://schemas.microsoft.com/office/drawing/2014/main" id="{4F679B08-C763-4BC7-AAB3-2E9AD9D0CB0A}"/>
+              </a:ext>
+            </a:extLst>
+          </p:cNvPr>
+          <p:cNvSpPr/>
+          <p:nvPr/>
+        </p:nvSpPr>
+        <p:spPr>
+          <a:xfrm>
+            <a:off x="269238" y="4707830"/>
+            <a:ext cx="6096000" cy="923330"/>
+          </a:xfrm>
+          <a:prstGeom prst="rect">
+            <a:avLst/>
+          </a:prstGeom>
+        </p:spPr>
+        <p:txBody>
+          <a:bodyPr wrap="square" anchor="ctr">
+            <a:spAutoFit/>
+          </a:bodyPr>
+          <a:lstStyle/>
+          <a:p>
+            <a:pPr marL="342900" indent="-342900">
+              <a:buFont typeface="+mj-lt"/>
+              <a:buAutoNum type="arabicPeriod" startAt="4"/>
+            </a:pPr>
+            <a:r>
+              <a:rPr lang="en-US" dirty="0"/>
+              <a:t>Select all permissions under </a:t>
+            </a:r>
+            <a:r>
+              <a:rPr lang="en-US" b="1" dirty="0"/>
+              <a:t>Delegated Permissions</a:t>
+            </a:r>
+            <a:r>
+              <a:rPr lang="en-US" dirty="0"/>
+              <a:t>. Select them one by one to save the selections. Select </a:t>
+            </a:r>
+            <a:r>
+              <a:rPr lang="en-US" b="1" dirty="0"/>
+              <a:t>Save</a:t>
+            </a:r>
+            <a:r>
+              <a:rPr lang="en-US" dirty="0"/>
+              <a:t> when done.</a:t>
+            </a:r>
+          </a:p>
+        </p:txBody>
+      </p:sp>
+      <p:pic>
+        <p:nvPicPr>
+          <p:cNvPr id="2" name="Picture 1">
+            <a:extLst>
+              <a:ext uri="{FF2B5EF4-FFF2-40B4-BE49-F238E27FC236}">
+                <a16:creationId xmlns:a16="http://schemas.microsoft.com/office/drawing/2014/main" id="{9F4C1431-14B1-44BC-BE16-8DA052705920}"/>
+              </a:ext>
+            </a:extLst>
+          </p:cNvPr>
+          <p:cNvPicPr>
+            <a:picLocks noChangeAspect="1"/>
+          </p:cNvPicPr>
+          <p:nvPr/>
+        </p:nvPicPr>
+        <p:blipFill>
+          <a:blip r:embed="rId2"/>
+          <a:stretch>
+            <a:fillRect/>
+          </a:stretch>
+        </p:blipFill>
+        <p:spPr>
+          <a:xfrm>
+            <a:off x="7304554" y="2410138"/>
+            <a:ext cx="3807198" cy="1471308"/>
+          </a:xfrm>
+          <a:prstGeom prst="rect">
+            <a:avLst/>
+          </a:prstGeom>
+        </p:spPr>
+      </p:pic>
+      <p:pic>
+        <p:nvPicPr>
+          <p:cNvPr id="4" name="Picture 3">
+            <a:extLst>
+              <a:ext uri="{FF2B5EF4-FFF2-40B4-BE49-F238E27FC236}">
+                <a16:creationId xmlns:a16="http://schemas.microsoft.com/office/drawing/2014/main" id="{824E2E5A-C9BE-4242-A743-955E7E0C8105}"/>
+              </a:ext>
+            </a:extLst>
+          </p:cNvPr>
+          <p:cNvPicPr>
+            <a:picLocks noChangeAspect="1"/>
+          </p:cNvPicPr>
+          <p:nvPr/>
+        </p:nvPicPr>
+        <p:blipFill>
+          <a:blip r:embed="rId3"/>
+          <a:stretch>
+            <a:fillRect/>
+          </a:stretch>
+        </p:blipFill>
+        <p:spPr>
+          <a:xfrm>
+            <a:off x="7676589" y="4116926"/>
+            <a:ext cx="3063128" cy="2105138"/>
+          </a:xfrm>
+          <a:prstGeom prst="rect">
+            <a:avLst/>
+          </a:prstGeom>
+        </p:spPr>
+      </p:pic>
+    </p:spTree>
+    <p:extLst>
+      <p:ext uri="{BB962C8B-B14F-4D97-AF65-F5344CB8AC3E}">
+        <p14:creationId xmlns:p14="http://schemas.microsoft.com/office/powerpoint/2010/main" val="3584832286"/>
+      </p:ext>
+    </p:extLst>
+  </p:cSld>
+  <p:clrMapOvr>
+    <a:masterClrMapping/>
+  </p:clrMapOvr>
+  <p:transition>
+    <p:fade/>
+  </p:transition>
+</p:sld>
+</file>
+
+<file path=ppt/slides/slide11.xml><?xml version="1.0" encoding="utf-8"?>
+<p:sld xmlns:a="http://schemas.openxmlformats.org/drawingml/2006/main" xmlns:r="http://schemas.openxmlformats.org/officeDocument/2006/relationships" xmlns:p="http://schemas.openxmlformats.org/presentationml/2006/main">
+  <p:cSld>
+    <p:spTree>
+      <p:nvGrpSpPr>
+        <p:cNvPr id="1" name=""/>
+        <p:cNvGrpSpPr/>
+        <p:nvPr/>
+      </p:nvGrpSpPr>
+      <p:grpSpPr>
+        <a:xfrm>
+          <a:off x="0" y="0"/>
+          <a:ext cx="0" cy="0"/>
+          <a:chOff x="0" y="0"/>
+          <a:chExt cx="0" cy="0"/>
+        </a:xfrm>
+      </p:grpSpPr>
+      <p:sp>
+        <p:nvSpPr>
+          <p:cNvPr id="6" name="Text Placeholder 5">
+            <a:extLst>
+              <a:ext uri="{FF2B5EF4-FFF2-40B4-BE49-F238E27FC236}">
+                <a16:creationId xmlns:a16="http://schemas.microsoft.com/office/drawing/2014/main" id="{51D68E8B-FA5E-4B9B-820A-53618EED7EB0}"/>
+              </a:ext>
+            </a:extLst>
+          </p:cNvPr>
+          <p:cNvSpPr>
+            <a:spLocks noGrp="1"/>
+          </p:cNvSpPr>
+          <p:nvPr>
+            <p:ph type="body" sz="quarter" idx="10"/>
+          </p:nvPr>
+        </p:nvSpPr>
+        <p:spPr>
+          <a:xfrm>
+            <a:off x="269239" y="1189177"/>
+            <a:ext cx="11653523" cy="744178"/>
+          </a:xfrm>
+        </p:spPr>
+        <p:txBody>
+          <a:bodyPr/>
+          <a:lstStyle/>
+          <a:p>
+            <a:r>
+              <a:rPr lang="en-US" sz="2020" dirty="0">
+                <a:latin typeface="+mn-lt"/>
+              </a:rPr>
+              <a:t>Enable additional permissions to your application in addition to what the app registration page provides. You can accomplish this task through the Azure AD portal</a:t>
+            </a:r>
+          </a:p>
+        </p:txBody>
+      </p:sp>
+      <p:sp>
+        <p:nvSpPr>
+          <p:cNvPr id="5" name="Title 4">
+            <a:extLst>
+              <a:ext uri="{FF2B5EF4-FFF2-40B4-BE49-F238E27FC236}">
+                <a16:creationId xmlns:a16="http://schemas.microsoft.com/office/drawing/2014/main" id="{24B455FB-AE13-4EE0-8713-341C2BC6C3D7}"/>
+              </a:ext>
+            </a:extLst>
+          </p:cNvPr>
+          <p:cNvSpPr>
+            <a:spLocks noGrp="1"/>
+          </p:cNvSpPr>
+          <p:nvPr>
+            <p:ph type="title"/>
+          </p:nvPr>
+        </p:nvSpPr>
+        <p:spPr/>
+        <p:txBody>
+          <a:bodyPr/>
+          <a:lstStyle/>
+          <a:p>
+            <a:r>
+              <a:rPr lang="en-US" sz="4400" dirty="0"/>
+              <a:t>Apply permissions to your App within Azure AD</a:t>
+            </a:r>
+          </a:p>
+        </p:txBody>
+      </p:sp>
+      <p:sp>
+        <p:nvSpPr>
+          <p:cNvPr id="7" name="Rectangle 6">
+            <a:extLst>
+              <a:ext uri="{FF2B5EF4-FFF2-40B4-BE49-F238E27FC236}">
+                <a16:creationId xmlns:a16="http://schemas.microsoft.com/office/drawing/2014/main" id="{8A500D86-5BE4-4610-8354-A5EC0ED82275}"/>
+              </a:ext>
+            </a:extLst>
+          </p:cNvPr>
+          <p:cNvSpPr/>
+          <p:nvPr/>
+        </p:nvSpPr>
+        <p:spPr>
+          <a:xfrm>
+            <a:off x="269238" y="2462823"/>
+            <a:ext cx="6561867" cy="3477875"/>
+          </a:xfrm>
+          <a:prstGeom prst="rect">
+            <a:avLst/>
+          </a:prstGeom>
+        </p:spPr>
+        <p:txBody>
+          <a:bodyPr wrap="square" anchor="ctr">
+            <a:spAutoFit/>
+          </a:bodyPr>
+          <a:lstStyle/>
+          <a:p>
+            <a:pPr marL="457200" indent="-457200">
+              <a:buFont typeface="+mj-lt"/>
+              <a:buAutoNum type="arabicPeriod" startAt="5"/>
+            </a:pPr>
+            <a:r>
+              <a:rPr lang="en-US" sz="2000" dirty="0"/>
+              <a:t>Within Required permissions, select Grant Permissions.</a:t>
+            </a:r>
+          </a:p>
+          <a:p>
+            <a:pPr marL="457200" indent="-457200">
+              <a:buFont typeface="+mj-lt"/>
+              <a:buAutoNum type="arabicPeriod" startAt="5"/>
+            </a:pPr>
+            <a:endParaRPr lang="en-US" sz="2000" dirty="0"/>
+          </a:p>
+          <a:p>
+            <a:pPr lvl="1"/>
+            <a:r>
+              <a:rPr lang="en-US" sz="2000" dirty="0"/>
+              <a:t>The </a:t>
+            </a:r>
+            <a:r>
+              <a:rPr lang="en-US" sz="2000" b="1" dirty="0"/>
+              <a:t>Grant Permissions</a:t>
+            </a:r>
+            <a:r>
+              <a:rPr lang="en-US" sz="2000" dirty="0"/>
+              <a:t> action needs for the </a:t>
+            </a:r>
+            <a:r>
+              <a:rPr lang="en-US" sz="2000" i="1" dirty="0"/>
+              <a:t>master account</a:t>
+            </a:r>
+            <a:r>
+              <a:rPr lang="en-US" sz="2000" dirty="0"/>
+              <a:t> to avoid being prompted for consent by Azure AD. If the account performing this action is a Global Admin, you grant permissions to all users within your organization for this application. If the account performing this action is the </a:t>
+            </a:r>
+            <a:r>
+              <a:rPr lang="en-US" sz="2000" i="1" dirty="0"/>
+              <a:t>master account</a:t>
+            </a:r>
+            <a:r>
+              <a:rPr lang="en-US" sz="2000" dirty="0"/>
+              <a:t> and isn't a Global Admin, you grant permissions only to the </a:t>
+            </a:r>
+            <a:r>
+              <a:rPr lang="en-US" sz="2000" i="1" dirty="0"/>
+              <a:t>master </a:t>
+            </a:r>
+            <a:r>
+              <a:rPr lang="en-US" sz="2000" i="1" dirty="0" err="1"/>
+              <a:t>account</a:t>
+            </a:r>
+            <a:r>
+              <a:rPr lang="en-US" sz="2000" dirty="0" err="1"/>
+              <a:t>for</a:t>
+            </a:r>
+            <a:r>
+              <a:rPr lang="en-US" sz="2000" dirty="0"/>
+              <a:t> this application.</a:t>
+            </a:r>
+          </a:p>
+        </p:txBody>
+      </p:sp>
+      <p:sp>
+        <p:nvSpPr>
+          <p:cNvPr id="10" name="AutoShape 6" descr="Azure AD registered apps">
+            <a:extLst>
+              <a:ext uri="{FF2B5EF4-FFF2-40B4-BE49-F238E27FC236}">
+                <a16:creationId xmlns:a16="http://schemas.microsoft.com/office/drawing/2014/main" id="{115327D9-BCED-4D99-8711-EA38CD0DBFB5}"/>
+              </a:ext>
+            </a:extLst>
+          </p:cNvPr>
+          <p:cNvSpPr>
+            <a:spLocks noChangeAspect="1" noChangeArrowheads="1"/>
+          </p:cNvSpPr>
+          <p:nvPr/>
+        </p:nvSpPr>
+        <p:spPr bwMode="auto">
+          <a:xfrm>
+            <a:off x="5943600" y="3276600"/>
+            <a:ext cx="304800" cy="304800"/>
+          </a:xfrm>
+          <a:prstGeom prst="rect">
+            <a:avLst/>
+          </a:prstGeom>
+          <a:noFill/>
+          <a:extLst>
+            <a:ext uri="{909E8E84-426E-40DD-AFC4-6F175D3DCCD1}">
+              <a14:hiddenFill xmlns:a14="http://schemas.microsoft.com/office/drawing/2010/main">
+                <a:solidFill>
+                  <a:srgbClr val="FFFFFF"/>
+                </a:solidFill>
+              </a14:hiddenFill>
+            </a:ext>
+          </a:extLst>
+        </p:spPr>
+        <p:txBody>
+          <a:bodyPr vert="horz" wrap="square" lIns="91440" tIns="45720" rIns="91440" bIns="45720" numCol="1" anchor="t" anchorCtr="0" compatLnSpc="1">
+            <a:prstTxWarp prst="textNoShape">
+              <a:avLst/>
+            </a:prstTxWarp>
+          </a:bodyPr>
+          <a:lstStyle/>
+          <a:p>
+            <a:endParaRPr lang="en-US"/>
+          </a:p>
+        </p:txBody>
+      </p:sp>
+      <p:pic>
+        <p:nvPicPr>
+          <p:cNvPr id="3" name="Picture 2">
+            <a:extLst>
+              <a:ext uri="{FF2B5EF4-FFF2-40B4-BE49-F238E27FC236}">
+                <a16:creationId xmlns:a16="http://schemas.microsoft.com/office/drawing/2014/main" id="{E4BE9405-993C-4AE4-9666-79FD4687C8C6}"/>
+              </a:ext>
+            </a:extLst>
+          </p:cNvPr>
+          <p:cNvPicPr>
+            <a:picLocks noChangeAspect="1"/>
+          </p:cNvPicPr>
+          <p:nvPr/>
+        </p:nvPicPr>
+        <p:blipFill>
+          <a:blip r:embed="rId2"/>
+          <a:stretch>
+            <a:fillRect/>
+          </a:stretch>
+        </p:blipFill>
+        <p:spPr>
+          <a:xfrm>
+            <a:off x="7772399" y="2941734"/>
+            <a:ext cx="3327587" cy="1279331"/>
+          </a:xfrm>
+          <a:prstGeom prst="rect">
+            <a:avLst/>
+          </a:prstGeom>
+        </p:spPr>
+      </p:pic>
+    </p:spTree>
+    <p:extLst>
+      <p:ext uri="{BB962C8B-B14F-4D97-AF65-F5344CB8AC3E}">
+        <p14:creationId xmlns:p14="http://schemas.microsoft.com/office/powerpoint/2010/main" val="2127689054"/>
+      </p:ext>
+    </p:extLst>
+  </p:cSld>
+  <p:clrMapOvr>
+    <a:masterClrMapping/>
+  </p:clrMapOvr>
+  <p:transition>
+    <p:fade/>
+  </p:transition>
+</p:sld>
+</file>
+
+<file path=ppt/slides/slide12.xml><?xml version="1.0" encoding="utf-8"?>
+<p:sld xmlns:a="http://schemas.openxmlformats.org/drawingml/2006/main" xmlns:r="http://schemas.openxmlformats.org/officeDocument/2006/relationships" xmlns:p="http://schemas.openxmlformats.org/presentationml/2006/main">
+  <p:cSld>
+    <p:spTree>
+      <p:nvGrpSpPr>
+        <p:cNvPr id="1" name=""/>
+        <p:cNvGrpSpPr/>
+        <p:nvPr/>
+      </p:nvGrpSpPr>
+      <p:grpSpPr>
+        <a:xfrm>
+          <a:off x="0" y="0"/>
+          <a:ext cx="0" cy="0"/>
+          <a:chOff x="0" y="0"/>
+          <a:chExt cx="0" cy="0"/>
+        </a:xfrm>
+      </p:grpSpPr>
+      <p:sp>
+        <p:nvSpPr>
+          <p:cNvPr id="2" name="Title 1"/>
+          <p:cNvSpPr>
+            <a:spLocks noGrp="1"/>
+          </p:cNvSpPr>
+          <p:nvPr>
+            <p:ph type="title"/>
+          </p:nvPr>
+        </p:nvSpPr>
+        <p:spPr/>
+        <p:txBody>
+          <a:bodyPr/>
+          <a:lstStyle/>
+          <a:p>
+            <a:r>
+              <a:rPr lang="en-US" dirty="0">
+                <a:solidFill>
+                  <a:schemeClr val="tx1"/>
+                </a:solidFill>
+              </a:rPr>
+              <a:t>Wrap Up</a:t>
+            </a:r>
+          </a:p>
+        </p:txBody>
+      </p:sp>
+    </p:spTree>
+    <p:extLst>
+      <p:ext uri="{BB962C8B-B14F-4D97-AF65-F5344CB8AC3E}">
+        <p14:creationId xmlns:p14="http://schemas.microsoft.com/office/powerpoint/2010/main" val="2714070568"/>
+      </p:ext>
+    </p:extLst>
+  </p:cSld>
+  <p:clrMapOvr>
+    <a:masterClrMapping/>
+  </p:clrMapOvr>
+  <mc:AlternateContent xmlns:mc="http://schemas.openxmlformats.org/markup-compatibility/2006" xmlns:p14="http://schemas.microsoft.com/office/powerpoint/2010/main">
+    <mc:Choice Requires="p14">
+      <p:transition spd="med" p14:dur="700">
+        <p:fade/>
+      </p:transition>
+    </mc:Choice>
+    <mc:Fallback xmlns="">
+      <p:transition spd="med">
+        <p:fade/>
+      </p:transition>
+    </mc:Fallback>
+  </mc:AlternateContent>
+</p:sld>
+</file>
+
+<file path=ppt/slides/slide13.xml><?xml version="1.0" encoding="utf-8"?>
+<p:sld xmlns:a="http://schemas.openxmlformats.org/drawingml/2006/main" xmlns:r="http://schemas.openxmlformats.org/officeDocument/2006/relationships" xmlns:p="http://schemas.openxmlformats.org/presentationml/2006/main">
+  <p:cSld>
     <p:bg>
       <p:bgPr>
         <a:solidFill>
@@ -14321,7 +14551,7 @@
                   <a:schemeClr val="tx1"/>
                 </a:solidFill>
               </a:rPr>
-              <a:t>Introduction</a:t>
+              <a:t>Getting Started</a:t>
             </a:r>
           </a:p>
         </p:txBody>
@@ -14447,7 +14677,7 @@
                 <a:latin typeface="Segoe UI Semilight" panose="020B0402040204020203" pitchFamily="34" charset="0"/>
                 <a:cs typeface="Segoe UI Semilight" panose="020B0402040204020203" pitchFamily="34" charset="0"/>
               </a:rPr>
-              <a:t>Create and set-up required environments for Power BI Embedded</a:t>
+              <a:t>This Module will register an Application with Power BI and Grant the Application Permissions</a:t>
             </a:r>
           </a:p>
           <a:p>
@@ -14501,6 +14731,329 @@
           <a:chExt cx="0" cy="0"/>
         </a:xfrm>
       </p:grpSpPr>
+      <p:sp>
+        <p:nvSpPr>
+          <p:cNvPr id="2" name="Text Placeholder 1">
+            <a:extLst>
+              <a:ext uri="{FF2B5EF4-FFF2-40B4-BE49-F238E27FC236}">
+                <a16:creationId xmlns:a16="http://schemas.microsoft.com/office/drawing/2014/main" id="{EB2D6DAC-46AD-4D0E-B6C2-FA12ACF00FE7}"/>
+              </a:ext>
+            </a:extLst>
+          </p:cNvPr>
+          <p:cNvSpPr>
+            <a:spLocks noGrp="1"/>
+          </p:cNvSpPr>
+          <p:nvPr>
+            <p:ph type="body" sz="quarter" idx="10"/>
+          </p:nvPr>
+        </p:nvSpPr>
+        <p:spPr>
+          <a:xfrm>
+            <a:off x="269239" y="1189177"/>
+            <a:ext cx="11653523" cy="1015663"/>
+          </a:xfrm>
+        </p:spPr>
+        <p:txBody>
+          <a:bodyPr/>
+          <a:lstStyle/>
+          <a:p>
+            <a:r>
+              <a:rPr lang="en-US" sz="2000" dirty="0">
+                <a:solidFill>
+                  <a:schemeClr val="tx1"/>
+                </a:solidFill>
+                <a:latin typeface="+mn-lt"/>
+              </a:rPr>
+              <a:t>You register your application with Azure AD to allow your application access to the </a:t>
+            </a:r>
+            <a:r>
+              <a:rPr lang="en-US" sz="2000" u="sng" dirty="0">
+                <a:solidFill>
+                  <a:schemeClr val="tx1"/>
+                </a:solidFill>
+                <a:latin typeface="+mn-lt"/>
+                <a:hlinkClick r:id="rId2">
+                  <a:extLst>
+                    <a:ext uri="{A12FA001-AC4F-418D-AE19-62706E023703}">
+                      <ahyp:hlinkClr xmlns:ahyp="http://schemas.microsoft.com/office/drawing/2018/hyperlinkcolor" val="tx"/>
+                    </a:ext>
+                  </a:extLst>
+                </a:hlinkClick>
+              </a:rPr>
+              <a:t>Power BI REST APIs</a:t>
+            </a:r>
+            <a:r>
+              <a:rPr lang="en-US" sz="2000" dirty="0">
+                <a:solidFill>
+                  <a:schemeClr val="tx1"/>
+                </a:solidFill>
+                <a:latin typeface="+mn-lt"/>
+              </a:rPr>
+              <a:t>. Once you register your application, you can establish an identity for your application and specify permissions to Power BI REST resources.</a:t>
+            </a:r>
+          </a:p>
+        </p:txBody>
+      </p:sp>
+      <p:sp>
+        <p:nvSpPr>
+          <p:cNvPr id="3" name="Title 2">
+            <a:extLst>
+              <a:ext uri="{FF2B5EF4-FFF2-40B4-BE49-F238E27FC236}">
+                <a16:creationId xmlns:a16="http://schemas.microsoft.com/office/drawing/2014/main" id="{6B5847FE-1E90-4F01-A031-98218D3FB168}"/>
+              </a:ext>
+            </a:extLst>
+          </p:cNvPr>
+          <p:cNvSpPr>
+            <a:spLocks noGrp="1"/>
+          </p:cNvSpPr>
+          <p:nvPr>
+            <p:ph type="title"/>
+          </p:nvPr>
+        </p:nvSpPr>
+        <p:spPr/>
+        <p:txBody>
+          <a:bodyPr/>
+          <a:lstStyle/>
+          <a:p>
+            <a:r>
+              <a:rPr lang="en-US" sz="4400" dirty="0">
+                <a:solidFill>
+                  <a:schemeClr val="tx1"/>
+                </a:solidFill>
+              </a:rPr>
+              <a:t>Register an Azure AD App to use with Power BI</a:t>
+            </a:r>
+          </a:p>
+        </p:txBody>
+      </p:sp>
+      <p:sp>
+        <p:nvSpPr>
+          <p:cNvPr id="4" name="Rectangle 3">
+            <a:extLst>
+              <a:ext uri="{FF2B5EF4-FFF2-40B4-BE49-F238E27FC236}">
+                <a16:creationId xmlns:a16="http://schemas.microsoft.com/office/drawing/2014/main" id="{79D3103F-6FE4-4F1F-87F9-765DA8B20696}"/>
+              </a:ext>
+            </a:extLst>
+          </p:cNvPr>
+          <p:cNvSpPr/>
+          <p:nvPr/>
+        </p:nvSpPr>
+        <p:spPr>
+          <a:xfrm>
+            <a:off x="269238" y="4985299"/>
+            <a:ext cx="11653523" cy="1200329"/>
+          </a:xfrm>
+          <a:prstGeom prst="rect">
+            <a:avLst/>
+          </a:prstGeom>
+        </p:spPr>
+        <p:txBody>
+          <a:bodyPr wrap="square">
+            <a:spAutoFit/>
+          </a:bodyPr>
+          <a:lstStyle/>
+          <a:p>
+            <a:pPr algn="ctr"/>
+            <a:r>
+              <a:rPr lang="en-US" dirty="0">
+                <a:latin typeface="docons"/>
+              </a:rPr>
+              <a:t> Important</a:t>
+            </a:r>
+          </a:p>
+          <a:p>
+            <a:pPr algn="ctr"/>
+            <a:endParaRPr lang="en-US" dirty="0">
+              <a:latin typeface="docons"/>
+            </a:endParaRPr>
+          </a:p>
+          <a:p>
+            <a:r>
+              <a:rPr lang="en-US" dirty="0">
+                <a:latin typeface="Segoe UI" panose="020B0502040204020203" pitchFamily="34" charset="0"/>
+              </a:rPr>
+              <a:t>Before you register a Power BI app you need an </a:t>
+            </a:r>
+            <a:r>
+              <a:rPr lang="en-US" b="1" u="sng" dirty="0">
+                <a:latin typeface="Segoe UI" panose="020B0502040204020203" pitchFamily="34" charset="0"/>
+                <a:hlinkClick r:id="rId3">
+                  <a:extLst>
+                    <a:ext uri="{A12FA001-AC4F-418D-AE19-62706E023703}">
+                      <ahyp:hlinkClr xmlns:ahyp="http://schemas.microsoft.com/office/drawing/2018/hyperlinkcolor" val="tx"/>
+                    </a:ext>
+                  </a:extLst>
+                </a:hlinkClick>
+              </a:rPr>
+              <a:t>Azure Active Directory tenant and an organizational user</a:t>
+            </a:r>
+            <a:r>
+              <a:rPr lang="en-US" dirty="0">
+                <a:latin typeface="Segoe UI" panose="020B0502040204020203" pitchFamily="34" charset="0"/>
+              </a:rPr>
+              <a:t>. If you haven't signed up for Power BI with a user in your tenant, the app registration doesn't complete successfully.</a:t>
+            </a:r>
+            <a:endParaRPr lang="en-US" b="0" i="0" dirty="0">
+              <a:effectLst/>
+              <a:latin typeface="Segoe UI" panose="020B0502040204020203" pitchFamily="34" charset="0"/>
+            </a:endParaRPr>
+          </a:p>
+        </p:txBody>
+      </p:sp>
+    </p:spTree>
+    <p:extLst>
+      <p:ext uri="{BB962C8B-B14F-4D97-AF65-F5344CB8AC3E}">
+        <p14:creationId xmlns:p14="http://schemas.microsoft.com/office/powerpoint/2010/main" val="211471263"/>
+      </p:ext>
+    </p:extLst>
+  </p:cSld>
+  <p:clrMapOvr>
+    <a:masterClrMapping/>
+  </p:clrMapOvr>
+  <p:transition>
+    <p:fade/>
+  </p:transition>
+</p:sld>
+</file>
+
+<file path=ppt/slides/slide5.xml><?xml version="1.0" encoding="utf-8"?>
+<p:sld xmlns:a="http://schemas.openxmlformats.org/drawingml/2006/main" xmlns:r="http://schemas.openxmlformats.org/officeDocument/2006/relationships" xmlns:p="http://schemas.openxmlformats.org/presentationml/2006/main">
+  <p:cSld>
+    <p:spTree>
+      <p:nvGrpSpPr>
+        <p:cNvPr id="1" name=""/>
+        <p:cNvGrpSpPr/>
+        <p:nvPr/>
+      </p:nvGrpSpPr>
+      <p:grpSpPr>
+        <a:xfrm>
+          <a:off x="0" y="0"/>
+          <a:ext cx="0" cy="0"/>
+          <a:chOff x="0" y="0"/>
+          <a:chExt cx="0" cy="0"/>
+        </a:xfrm>
+      </p:grpSpPr>
+      <p:sp>
+        <p:nvSpPr>
+          <p:cNvPr id="2" name="Text Placeholder 1">
+            <a:extLst>
+              <a:ext uri="{FF2B5EF4-FFF2-40B4-BE49-F238E27FC236}">
+                <a16:creationId xmlns:a16="http://schemas.microsoft.com/office/drawing/2014/main" id="{1EBC6292-E5DF-49F0-A3BB-7894772C2BF5}"/>
+              </a:ext>
+            </a:extLst>
+          </p:cNvPr>
+          <p:cNvSpPr>
+            <a:spLocks noGrp="1"/>
+          </p:cNvSpPr>
+          <p:nvPr>
+            <p:ph type="body" sz="quarter" idx="10"/>
+          </p:nvPr>
+        </p:nvSpPr>
+        <p:spPr>
+          <a:xfrm>
+            <a:off x="269239" y="1189177"/>
+            <a:ext cx="11653523" cy="461665"/>
+          </a:xfrm>
+        </p:spPr>
+        <p:txBody>
+          <a:bodyPr/>
+          <a:lstStyle/>
+          <a:p>
+            <a:r>
+              <a:rPr lang="en-US" sz="2000" dirty="0">
+                <a:solidFill>
+                  <a:schemeClr val="tx1"/>
+                </a:solidFill>
+              </a:rPr>
+              <a:t>If not already created, ensure you have set up your own </a:t>
+            </a:r>
+            <a:r>
+              <a:rPr lang="en-US" sz="2000" dirty="0">
+                <a:solidFill>
+                  <a:schemeClr val="tx1"/>
+                </a:solidFill>
+                <a:hlinkClick r:id="rId2">
+                  <a:extLst>
+                    <a:ext uri="{A12FA001-AC4F-418D-AE19-62706E023703}">
+                      <ahyp:hlinkClr xmlns:ahyp="http://schemas.microsoft.com/office/drawing/2018/hyperlinkcolor" val="tx"/>
+                    </a:ext>
+                  </a:extLst>
+                </a:hlinkClick>
+              </a:rPr>
+              <a:t>Azure Active Directory (Azure AD) tenant</a:t>
+            </a:r>
+            <a:r>
+              <a:rPr lang="en-US" sz="2000" dirty="0">
+                <a:solidFill>
+                  <a:schemeClr val="tx1"/>
+                </a:solidFill>
+              </a:rPr>
+              <a:t>.</a:t>
+            </a:r>
+          </a:p>
+        </p:txBody>
+      </p:sp>
+      <p:sp>
+        <p:nvSpPr>
+          <p:cNvPr id="3" name="Title 2">
+            <a:extLst>
+              <a:ext uri="{FF2B5EF4-FFF2-40B4-BE49-F238E27FC236}">
+                <a16:creationId xmlns:a16="http://schemas.microsoft.com/office/drawing/2014/main" id="{5C13491F-9530-43ED-BDF0-89B88493FA57}"/>
+              </a:ext>
+            </a:extLst>
+          </p:cNvPr>
+          <p:cNvSpPr>
+            <a:spLocks noGrp="1"/>
+          </p:cNvSpPr>
+          <p:nvPr>
+            <p:ph type="title"/>
+          </p:nvPr>
+        </p:nvSpPr>
+        <p:spPr/>
+        <p:txBody>
+          <a:bodyPr/>
+          <a:lstStyle/>
+          <a:p>
+            <a:r>
+              <a:rPr lang="en-US" dirty="0"/>
+              <a:t>Prerequisite: Azure AD</a:t>
+            </a:r>
+          </a:p>
+        </p:txBody>
+      </p:sp>
+    </p:spTree>
+    <p:extLst>
+      <p:ext uri="{BB962C8B-B14F-4D97-AF65-F5344CB8AC3E}">
+        <p14:creationId xmlns:p14="http://schemas.microsoft.com/office/powerpoint/2010/main" val="3780966281"/>
+      </p:ext>
+    </p:extLst>
+  </p:cSld>
+  <p:clrMapOvr>
+    <a:masterClrMapping/>
+  </p:clrMapOvr>
+  <p:transition>
+    <p:fade/>
+  </p:transition>
+</p:sld>
+</file>
+
+<file path=ppt/slides/slide6.xml><?xml version="1.0" encoding="utf-8"?>
+<p:sld xmlns:a="http://schemas.openxmlformats.org/drawingml/2006/main" xmlns:r="http://schemas.openxmlformats.org/officeDocument/2006/relationships" xmlns:p="http://schemas.openxmlformats.org/presentationml/2006/main">
+  <p:cSld>
+    <p:spTree>
+      <p:nvGrpSpPr>
+        <p:cNvPr id="1" name=""/>
+        <p:cNvGrpSpPr/>
+        <p:nvPr/>
+      </p:nvGrpSpPr>
+      <p:grpSpPr>
+        <a:xfrm>
+          <a:off x="0" y="0"/>
+          <a:ext cx="0" cy="0"/>
+          <a:chOff x="0" y="0"/>
+          <a:chExt cx="0" cy="0"/>
+        </a:xfrm>
+      </p:grpSpPr>
       <p:pic>
         <p:nvPicPr>
           <p:cNvPr id="7" name="Picture 6">
@@ -14523,7 +15076,7 @@
         </p:blipFill>
         <p:spPr>
           <a:xfrm>
-            <a:off x="6435213" y="1189175"/>
+            <a:off x="6096000" y="1862417"/>
             <a:ext cx="5489867" cy="3133165"/>
           </a:xfrm>
           <a:prstGeom prst="rect">
@@ -14550,7 +15103,7 @@
           <a:p>
             <a:r>
               <a:rPr lang="en-US" sz="4400" dirty="0"/>
-              <a:t>App Registration Tool</a:t>
+              <a:t>Power BI Application Registration Tool</a:t>
             </a:r>
           </a:p>
         </p:txBody>
@@ -14568,33 +15121,31 @@
         <p:spPr>
           <a:xfrm>
             <a:off x="269241" y="1189175"/>
-            <a:ext cx="5378548" cy="1822037"/>
+            <a:ext cx="5378548" cy="1508105"/>
           </a:xfrm>
         </p:spPr>
         <p:txBody>
           <a:bodyPr/>
           <a:lstStyle/>
           <a:p>
-            <a:pPr marL="0" indent="0" algn="l">
-              <a:buNone/>
-            </a:pPr>
-            <a:r>
-              <a:rPr lang="en-US" sz="2400" dirty="0"/>
-              <a:t>Step 1: Sign in to Power BI’s developer portal to register your application</a:t>
-            </a:r>
-          </a:p>
-          <a:p>
-            <a:pPr marL="0" indent="0" algn="l">
-              <a:buNone/>
-            </a:pPr>
-            <a:endParaRPr lang="en-US" sz="2400" dirty="0"/>
-          </a:p>
-          <a:p>
-            <a:pPr marL="0" indent="0" algn="l">
-              <a:buNone/>
-            </a:pPr>
-            <a:r>
-              <a:rPr lang="en-US" sz="2400" u="sng" dirty="0"/>
+            <a:r>
+              <a:rPr lang="en-US" sz="2000" dirty="0">
+                <a:latin typeface="+mn-lt"/>
+              </a:rPr>
+              <a:t>Sign in to Power BI’s developer portal to register your application</a:t>
+            </a:r>
+          </a:p>
+          <a:p>
+            <a:endParaRPr lang="en-US" sz="2000" dirty="0">
+              <a:latin typeface="+mn-lt"/>
+            </a:endParaRPr>
+          </a:p>
+          <a:p>
+            <a:pPr lvl="1"/>
+            <a:r>
+              <a:rPr lang="en-US" sz="2000" u="sng" dirty="0">
+                <a:latin typeface="+mn-lt"/>
+              </a:rPr>
               <a:t>https://dev.powerbi.com/apps</a:t>
             </a:r>
           </a:p>
@@ -14611,7 +15162,7 @@
 </p:sld>
 </file>
 
-<file path=ppt/slides/slide5.xml><?xml version="1.0" encoding="utf-8"?>
+<file path=ppt/slides/slide7.xml><?xml version="1.0" encoding="utf-8"?>
 <p:sld xmlns:a="http://schemas.openxmlformats.org/drawingml/2006/main" xmlns:r="http://schemas.openxmlformats.org/officeDocument/2006/relationships" xmlns:p="http://schemas.openxmlformats.org/presentationml/2006/main">
   <p:cSld>
     <p:spTree>
@@ -14647,7 +15198,7 @@
           <a:p>
             <a:r>
               <a:rPr lang="en-US" sz="4400" dirty="0"/>
-              <a:t>App Registration Tool</a:t>
+              <a:t>Power BI Application Registration Tool</a:t>
             </a:r>
           </a:p>
         </p:txBody>
@@ -14662,36 +15213,37 @@
             <p:ph type="body" sz="quarter" idx="10"/>
           </p:nvPr>
         </p:nvSpPr>
-        <p:spPr/>
+        <p:spPr>
+          <a:xfrm>
+            <a:off x="269240" y="1189176"/>
+            <a:ext cx="6055359" cy="1764695"/>
+          </a:xfrm>
+        </p:spPr>
         <p:txBody>
           <a:bodyPr>
             <a:normAutofit/>
           </a:bodyPr>
           <a:lstStyle/>
           <a:p>
-            <a:pPr marL="0" indent="0">
-              <a:buNone/>
-            </a:pPr>
-            <a:r>
-              <a:rPr lang="en-US" sz="2400" dirty="0"/>
-              <a:t>Step 2: Register your app by filling in the required fields</a:t>
-            </a:r>
-          </a:p>
-          <a:p>
-            <a:pPr marL="0" indent="0">
-              <a:buNone/>
-            </a:pPr>
-            <a:r>
-              <a:rPr lang="en-US" sz="2400" dirty="0"/>
+            <a:r>
+              <a:rPr lang="en-US" sz="2000" dirty="0">
+                <a:latin typeface="+mn-lt"/>
+              </a:rPr>
+              <a:t>Register your app by filling in the required fields</a:t>
+            </a:r>
+          </a:p>
+          <a:p>
+            <a:r>
+              <a:rPr lang="en-US" sz="2000" dirty="0">
+                <a:latin typeface="+mn-lt"/>
+              </a:rPr>
               <a:t>Remember the values for Application Name and Client ID</a:t>
             </a:r>
           </a:p>
           <a:p>
-            <a:pPr marL="239025" lvl="1" indent="0">
-              <a:buNone/>
-            </a:pPr>
-            <a:r>
-              <a:rPr lang="en-US" sz="1616" dirty="0"/>
+            <a:pPr marL="410475" lvl="1" indent="-171450"/>
+            <a:r>
+              <a:rPr lang="en-US" sz="1200" dirty="0"/>
               <a:t>Example Client ID : 7114bf2f-8aad-49ad-8a7c-2e80e9b6fbba</a:t>
             </a:r>
           </a:p>
@@ -14727,234 +15279,188 @@
           </a:prstGeom>
         </p:spPr>
       </p:pic>
-    </p:spTree>
-  </p:cSld>
-  <p:clrMapOvr>
-    <a:masterClrMapping/>
-  </p:clrMapOvr>
-  <p:transition>
-    <p:fade/>
-  </p:transition>
-</p:sld>
-</file>
-
-<file path=ppt/slides/slide6.xml><?xml version="1.0" encoding="utf-8"?>
-<p:sld xmlns:a="http://schemas.openxmlformats.org/drawingml/2006/main" xmlns:r="http://schemas.openxmlformats.org/officeDocument/2006/relationships" xmlns:p="http://schemas.openxmlformats.org/presentationml/2006/main">
-  <p:cSld>
-    <p:spTree>
-      <p:nvGrpSpPr>
-        <p:cNvPr id="1" name=""/>
-        <p:cNvGrpSpPr/>
-        <p:nvPr/>
-      </p:nvGrpSpPr>
-      <p:grpSpPr>
-        <a:xfrm>
-          <a:off x="0" y="0"/>
-          <a:ext cx="0" cy="0"/>
-          <a:chOff x="0" y="0"/>
-          <a:chExt cx="0" cy="0"/>
-        </a:xfrm>
-      </p:grpSpPr>
-      <p:sp>
-        <p:nvSpPr>
-          <p:cNvPr id="2" name="Title 1"/>
-          <p:cNvSpPr>
-            <a:spLocks noGrp="1"/>
-          </p:cNvSpPr>
-          <p:nvPr>
-            <p:ph type="title"/>
-          </p:nvPr>
-        </p:nvSpPr>
-        <p:spPr/>
-        <p:txBody>
-          <a:bodyPr anchor="ctr">
-            <a:noAutofit/>
-          </a:bodyPr>
-          <a:lstStyle/>
-          <a:p>
-            <a:r>
-              <a:rPr lang="en-US" sz="4400" dirty="0"/>
-              <a:t>Grant Permission</a:t>
-            </a:r>
-          </a:p>
-        </p:txBody>
-      </p:sp>
-      <p:sp>
-        <p:nvSpPr>
-          <p:cNvPr id="3" name="Subtitle 2"/>
-          <p:cNvSpPr>
-            <a:spLocks noGrp="1"/>
-          </p:cNvSpPr>
-          <p:nvPr>
-            <p:ph type="body" sz="quarter" idx="10"/>
-          </p:nvPr>
-        </p:nvSpPr>
-        <p:spPr>
-          <a:xfrm>
-            <a:off x="269240" y="1189175"/>
-            <a:ext cx="5933197" cy="3459025"/>
-          </a:xfrm>
-        </p:spPr>
-        <p:txBody>
-          <a:bodyPr>
-            <a:noAutofit/>
-          </a:bodyPr>
-          <a:lstStyle/>
-          <a:p>
-            <a:pPr algn="l"/>
-            <a:r>
-              <a:rPr lang="en-US" sz="2400" dirty="0"/>
-              <a:t>3. Open the</a:t>
-            </a:r>
-            <a:r>
-              <a:rPr lang="en-US" sz="2400" dirty="0">
-                <a:solidFill>
-                  <a:schemeClr val="tx1">
-                    <a:lumMod val="95000"/>
-                  </a:schemeClr>
-                </a:solidFill>
-              </a:rPr>
-              <a:t> </a:t>
-            </a:r>
-            <a:r>
-              <a:rPr lang="en-US" sz="2400" dirty="0">
-                <a:solidFill>
-                  <a:schemeClr val="tx1">
-                    <a:lumMod val="95000"/>
-                  </a:schemeClr>
-                </a:solidFill>
-                <a:hlinkClick r:id="rId2" action="ppaction://hlinkfile">
-                  <a:extLst>
-                    <a:ext uri="{A12FA001-AC4F-418D-AE19-62706E023703}">
-                      <ahyp:hlinkClr xmlns:ahyp="http://schemas.microsoft.com/office/drawing/2018/hyperlinkcolor" val="tx"/>
-                    </a:ext>
-                  </a:extLst>
-                </a:hlinkClick>
-              </a:rPr>
-              <a:t>Azure Portal </a:t>
-            </a:r>
-            <a:r>
-              <a:rPr lang="en-US" sz="2400" dirty="0"/>
-              <a:t>using the same Power BI Pro account used to register the application</a:t>
-            </a:r>
-          </a:p>
-          <a:p>
-            <a:pPr algn="l"/>
-            <a:r>
-              <a:rPr lang="en-US" sz="2400" dirty="0"/>
-              <a:t>Navigate to: Azure Active Directory</a:t>
-            </a:r>
-          </a:p>
-          <a:p>
-            <a:pPr algn="l"/>
-            <a:r>
-              <a:rPr lang="en-US" sz="2400" dirty="0"/>
-              <a:t>Setting -&gt; </a:t>
-            </a:r>
-          </a:p>
-          <a:p>
-            <a:pPr algn="l"/>
-            <a:r>
-              <a:rPr lang="en-US" sz="2400" dirty="0"/>
-              <a:t>	Required Permission -&gt; </a:t>
-            </a:r>
-          </a:p>
-          <a:p>
-            <a:pPr algn="l"/>
-            <a:r>
-              <a:rPr lang="en-US" sz="2400" dirty="0"/>
-              <a:t>		Grant Permission (select All)</a:t>
-            </a:r>
-          </a:p>
-        </p:txBody>
-      </p:sp>
-      <p:sp>
-        <p:nvSpPr>
-          <p:cNvPr id="4" name="Text Placeholder 3">
+      <p:graphicFrame>
+        <p:nvGraphicFramePr>
+          <p:cNvPr id="4" name="Table 3">
             <a:extLst>
               <a:ext uri="{FF2B5EF4-FFF2-40B4-BE49-F238E27FC236}">
-                <a16:creationId xmlns:a16="http://schemas.microsoft.com/office/drawing/2014/main" id="{42377493-F0E2-4093-9C5D-7BE2E0972146}"/>
+                <a16:creationId xmlns:a16="http://schemas.microsoft.com/office/drawing/2014/main" id="{16C55AA6-F5AC-4045-B728-3AE9C7E58237}"/>
               </a:ext>
             </a:extLst>
           </p:cNvPr>
-          <p:cNvSpPr>
-            <a:spLocks noGrp="1"/>
-          </p:cNvSpPr>
+          <p:cNvGraphicFramePr>
+            <a:graphicFrameLocks noGrp="1"/>
+          </p:cNvGraphicFramePr>
           <p:nvPr>
-            <p:ph type="body" sz="quarter" idx="11"/>
+            <p:extLst>
+              <p:ext uri="{D42A27DB-BD31-4B8C-83A1-F6EECF244321}">
+                <p14:modId xmlns:p14="http://schemas.microsoft.com/office/powerpoint/2010/main" val="3628431469"/>
+              </p:ext>
+            </p:extLst>
           </p:nvPr>
-        </p:nvSpPr>
-        <p:spPr/>
-        <p:txBody>
-          <a:bodyPr/>
-          <a:lstStyle/>
-          <a:p>
-            <a:endParaRPr lang="en-US"/>
-          </a:p>
-        </p:txBody>
-      </p:sp>
+        </p:nvGraphicFramePr>
+        <p:xfrm>
+          <a:off x="269240" y="3196198"/>
+          <a:ext cx="6055359" cy="2193748"/>
+        </p:xfrm>
+        <a:graphic>
+          <a:graphicData uri="http://schemas.openxmlformats.org/drawingml/2006/table">
+            <a:tbl>
+              <a:tblPr firstRow="1" bandRow="1">
+                <a:tableStyleId>{5C22544A-7EE6-4342-B048-85BDC9FD1C3A}</a:tableStyleId>
+              </a:tblPr>
+              <a:tblGrid>
+                <a:gridCol w="1676795">
+                  <a:extLst>
+                    <a:ext uri="{9D8B030D-6E8A-4147-A177-3AD203B41FA5}">
+                      <a16:colId xmlns:a16="http://schemas.microsoft.com/office/drawing/2014/main" val="3827845702"/>
+                    </a:ext>
+                  </a:extLst>
+                </a:gridCol>
+                <a:gridCol w="4378564">
+                  <a:extLst>
+                    <a:ext uri="{9D8B030D-6E8A-4147-A177-3AD203B41FA5}">
+                      <a16:colId xmlns:a16="http://schemas.microsoft.com/office/drawing/2014/main" val="4135297923"/>
+                    </a:ext>
+                  </a:extLst>
+                </a:gridCol>
+              </a:tblGrid>
+              <a:tr h="362790">
+                <a:tc>
+                  <a:txBody>
+                    <a:bodyPr/>
+                    <a:lstStyle/>
+                    <a:p>
+                      <a:pPr algn="ctr"/>
+                      <a:r>
+                        <a:rPr lang="en-US" sz="1200" dirty="0"/>
+                        <a:t>Application Type</a:t>
+                      </a:r>
+                    </a:p>
+                  </a:txBody>
+                  <a:tcPr anchor="ctr"/>
+                </a:tc>
+                <a:tc>
+                  <a:txBody>
+                    <a:bodyPr/>
+                    <a:lstStyle/>
+                    <a:p>
+                      <a:pPr algn="ctr"/>
+                      <a:r>
+                        <a:rPr lang="en-US" sz="1200" dirty="0"/>
+                        <a:t>Purpose</a:t>
+                      </a:r>
+                    </a:p>
+                  </a:txBody>
+                  <a:tcPr anchor="ctr"/>
+                </a:tc>
+                <a:extLst>
+                  <a:ext uri="{0D108BD9-81ED-4DB2-BD59-A6C34878D82A}">
+                    <a16:rowId xmlns:a16="http://schemas.microsoft.com/office/drawing/2014/main" val="804907426"/>
+                  </a:ext>
+                </a:extLst>
+              </a:tr>
+              <a:tr h="788894">
+                <a:tc>
+                  <a:txBody>
+                    <a:bodyPr/>
+                    <a:lstStyle/>
+                    <a:p>
+                      <a:pPr algn="ctr"/>
+                      <a:r>
+                        <a:rPr lang="en-US" sz="1200" dirty="0"/>
+                        <a:t>Native</a:t>
+                      </a:r>
+                    </a:p>
+                  </a:txBody>
+                  <a:tcPr anchor="ctr"/>
+                </a:tc>
+                <a:tc>
+                  <a:txBody>
+                    <a:bodyPr/>
+                    <a:lstStyle/>
+                    <a:p>
+                      <a:pPr marL="171450" indent="-171450">
+                        <a:buFont typeface="Arial" panose="020B0604020202020204" pitchFamily="34" charset="0"/>
+                        <a:buChar char="•"/>
+                      </a:pPr>
+                      <a:r>
+                        <a:rPr lang="en-US" sz="1200" dirty="0"/>
+                        <a:t>You plan on creating an application that is designed for your customers using a master user account (a Power BI Pro license used for signing in to Power BI) to authenticate.</a:t>
+                      </a:r>
+                    </a:p>
+                  </a:txBody>
+                  <a:tcPr anchor="ctr"/>
+                </a:tc>
+                <a:extLst>
+                  <a:ext uri="{0D108BD9-81ED-4DB2-BD59-A6C34878D82A}">
+                    <a16:rowId xmlns:a16="http://schemas.microsoft.com/office/drawing/2014/main" val="2537540573"/>
+                  </a:ext>
+                </a:extLst>
+              </a:tr>
+              <a:tr h="1042064">
+                <a:tc>
+                  <a:txBody>
+                    <a:bodyPr/>
+                    <a:lstStyle/>
+                    <a:p>
+                      <a:pPr algn="ctr"/>
+                      <a:r>
+                        <a:rPr lang="en-US" sz="1200" dirty="0"/>
+                        <a:t>Server-side web application: </a:t>
+                      </a:r>
+                    </a:p>
+                  </a:txBody>
+                  <a:tcPr anchor="ctr"/>
+                </a:tc>
+                <a:tc>
+                  <a:txBody>
+                    <a:bodyPr/>
+                    <a:lstStyle/>
+                    <a:p>
+                      <a:pPr marL="171450" indent="-171450">
+                        <a:buFont typeface="Arial" panose="020B0604020202020204" pitchFamily="34" charset="0"/>
+                        <a:buChar char="•"/>
+                      </a:pPr>
+                      <a:r>
+                        <a:rPr lang="en-US" sz="1200" dirty="0"/>
+                        <a:t>You plan on creating an application designed for your organization. </a:t>
+                      </a:r>
+                    </a:p>
+                    <a:p>
+                      <a:pPr marL="171450" indent="-171450">
+                        <a:buFont typeface="Arial" panose="020B0604020202020204" pitchFamily="34" charset="0"/>
+                        <a:buChar char="•"/>
+                      </a:pPr>
+                      <a:r>
+                        <a:rPr lang="en-US" sz="1200" dirty="0"/>
+                        <a:t>You plan on creating an application designed for your customers using service principal to authenticate. </a:t>
+                      </a:r>
+                    </a:p>
+                    <a:p>
+                      <a:pPr marL="171450" indent="-171450">
+                        <a:buFont typeface="Arial" panose="020B0604020202020204" pitchFamily="34" charset="0"/>
+                        <a:buChar char="•"/>
+                      </a:pPr>
+                      <a:r>
+                        <a:rPr lang="en-US" sz="1200" dirty="0"/>
+                        <a:t>You plan on creating web apps or web APIs.</a:t>
+                      </a:r>
+                    </a:p>
+                  </a:txBody>
+                  <a:tcPr anchor="ctr"/>
+                </a:tc>
+                <a:extLst>
+                  <a:ext uri="{0D108BD9-81ED-4DB2-BD59-A6C34878D82A}">
+                    <a16:rowId xmlns:a16="http://schemas.microsoft.com/office/drawing/2014/main" val="1912343264"/>
+                  </a:ext>
+                </a:extLst>
+              </a:tr>
+            </a:tbl>
+          </a:graphicData>
+        </a:graphic>
+      </p:graphicFrame>
     </p:spTree>
-  </p:cSld>
-  <p:clrMapOvr>
-    <a:masterClrMapping/>
-  </p:clrMapOvr>
-  <p:transition>
-    <p:fade/>
-  </p:transition>
-</p:sld>
-</file>
-
-<file path=ppt/slides/slide7.xml><?xml version="1.0" encoding="utf-8"?>
-<p:sld xmlns:a="http://schemas.openxmlformats.org/drawingml/2006/main" xmlns:r="http://schemas.openxmlformats.org/officeDocument/2006/relationships" xmlns:p="http://schemas.openxmlformats.org/presentationml/2006/main">
-  <p:cSld>
-    <p:spTree>
-      <p:nvGrpSpPr>
-        <p:cNvPr id="1" name=""/>
-        <p:cNvGrpSpPr/>
-        <p:nvPr/>
-      </p:nvGrpSpPr>
-      <p:grpSpPr>
-        <a:xfrm>
-          <a:off x="0" y="0"/>
-          <a:ext cx="0" cy="0"/>
-          <a:chOff x="0" y="0"/>
-          <a:chExt cx="0" cy="0"/>
-        </a:xfrm>
-      </p:grpSpPr>
-      <p:sp>
-        <p:nvSpPr>
-          <p:cNvPr id="2" name="Title 1">
-            <a:extLst>
-              <a:ext uri="{FF2B5EF4-FFF2-40B4-BE49-F238E27FC236}">
-                <a16:creationId xmlns:a16="http://schemas.microsoft.com/office/drawing/2014/main" id="{6EB0EE16-51FA-4CD3-957F-FBF75DF06F06}"/>
-              </a:ext>
-            </a:extLst>
-          </p:cNvPr>
-          <p:cNvSpPr>
-            <a:spLocks noGrp="1"/>
-          </p:cNvSpPr>
-          <p:nvPr>
-            <p:ph type="title"/>
-          </p:nvPr>
-        </p:nvSpPr>
-        <p:spPr/>
-        <p:txBody>
-          <a:bodyPr/>
-          <a:lstStyle/>
-          <a:p>
-            <a:r>
-              <a:rPr lang="en-US" dirty="0"/>
-              <a:t>FAQs</a:t>
-            </a:r>
-          </a:p>
-        </p:txBody>
-      </p:sp>
-    </p:spTree>
-    <p:extLst>
-      <p:ext uri="{BB962C8B-B14F-4D97-AF65-F5344CB8AC3E}">
-        <p14:creationId xmlns:p14="http://schemas.microsoft.com/office/powerpoint/2010/main" val="3290717234"/>
-      </p:ext>
-    </p:extLst>
   </p:cSld>
   <p:clrMapOvr>
     <a:masterClrMapping/>
@@ -14987,7 +15493,7 @@
           <p:cNvPr id="2" name="Title 1">
             <a:extLst>
               <a:ext uri="{FF2B5EF4-FFF2-40B4-BE49-F238E27FC236}">
-                <a16:creationId xmlns:a16="http://schemas.microsoft.com/office/drawing/2014/main" id="{113A9765-A80A-4187-A741-561D23FE7FDF}"/>
+                <a16:creationId xmlns:a16="http://schemas.microsoft.com/office/drawing/2014/main" id="{58FBB381-A6B1-43C7-AD15-C394FFC456CB}"/>
               </a:ext>
             </a:extLst>
           </p:cNvPr>
@@ -15000,12 +15506,12 @@
         </p:nvSpPr>
         <p:spPr/>
         <p:txBody>
-          <a:bodyPr/>
+          <a:bodyPr anchor="ctr"/>
           <a:lstStyle/>
           <a:p>
             <a:r>
-              <a:rPr lang="en-US" dirty="0"/>
-              <a:t>FAQs</a:t>
+              <a:rPr lang="en-US" sz="4400" dirty="0"/>
+              <a:t>Power BI Application Registration Tool</a:t>
             </a:r>
           </a:p>
         </p:txBody>
@@ -15015,7 +15521,7 @@
           <p:cNvPr id="3" name="Text Placeholder 2">
             <a:extLst>
               <a:ext uri="{FF2B5EF4-FFF2-40B4-BE49-F238E27FC236}">
-                <a16:creationId xmlns:a16="http://schemas.microsoft.com/office/drawing/2014/main" id="{B62A60E8-C99D-4C28-9D0A-9F2268FF8F9B}"/>
+                <a16:creationId xmlns:a16="http://schemas.microsoft.com/office/drawing/2014/main" id="{961EB44E-4375-407E-A2A8-805C4CF27EB1}"/>
               </a:ext>
             </a:extLst>
           </p:cNvPr>
@@ -15023,123 +15529,208 @@
             <a:spLocks noGrp="1"/>
           </p:cNvSpPr>
           <p:nvPr>
-            <p:ph type="body" idx="1"/>
+            <p:ph type="body" sz="quarter" idx="10"/>
           </p:nvPr>
         </p:nvSpPr>
         <p:spPr>
           <a:xfrm>
-            <a:off x="839788" y="1960310"/>
-            <a:ext cx="5157787" cy="406265"/>
-          </a:xfrm>
-        </p:spPr>
-        <p:txBody>
-          <a:bodyPr anchor="ctr"/>
-          <a:lstStyle/>
-          <a:p>
-            <a:endParaRPr lang="en-US" sz="1600" dirty="0"/>
-          </a:p>
-        </p:txBody>
-      </p:sp>
-      <p:sp>
-        <p:nvSpPr>
-          <p:cNvPr id="4" name="Content Placeholder 3">
-            <a:extLst>
-              <a:ext uri="{FF2B5EF4-FFF2-40B4-BE49-F238E27FC236}">
-                <a16:creationId xmlns:a16="http://schemas.microsoft.com/office/drawing/2014/main" id="{CCBBAC2C-A011-4519-9074-762A931C8212}"/>
-              </a:ext>
-            </a:extLst>
-          </p:cNvPr>
-          <p:cNvSpPr>
-            <a:spLocks noGrp="1"/>
-          </p:cNvSpPr>
-          <p:nvPr>
-            <p:ph sz="half" idx="2"/>
-          </p:nvPr>
-        </p:nvSpPr>
-        <p:spPr>
-          <a:xfrm>
-            <a:off x="839788" y="2505075"/>
-            <a:ext cx="5157787" cy="406265"/>
+            <a:off x="269241" y="1189176"/>
+            <a:ext cx="5378548" cy="2154436"/>
           </a:xfrm>
         </p:spPr>
         <p:txBody>
           <a:bodyPr/>
           <a:lstStyle/>
           <a:p>
-            <a:endParaRPr lang="en-US" sz="1600" dirty="0"/>
+            <a:r>
+              <a:rPr lang="en-US" sz="2000" dirty="0">
+                <a:solidFill>
+                  <a:schemeClr val="tx1"/>
+                </a:solidFill>
+                <a:latin typeface="+mn-lt"/>
+              </a:rPr>
+              <a:t>Choose the Power BI APIs that your application needs. </a:t>
+            </a:r>
+          </a:p>
+          <a:p>
+            <a:r>
+              <a:rPr lang="en-US" sz="2000" dirty="0">
+                <a:solidFill>
+                  <a:schemeClr val="tx1"/>
+                </a:solidFill>
+                <a:latin typeface="+mn-lt"/>
+              </a:rPr>
+              <a:t>For more information about Power BI access permissions, see </a:t>
+            </a:r>
+            <a:r>
+              <a:rPr lang="en-US" sz="2000" u="sng" dirty="0">
+                <a:solidFill>
+                  <a:schemeClr val="tx1"/>
+                </a:solidFill>
+                <a:latin typeface="+mn-lt"/>
+                <a:hlinkClick r:id="rId2">
+                  <a:extLst>
+                    <a:ext uri="{A12FA001-AC4F-418D-AE19-62706E023703}">
+                      <ahyp:hlinkClr xmlns:ahyp="http://schemas.microsoft.com/office/drawing/2018/hyperlinkcolor" val="tx"/>
+                    </a:ext>
+                  </a:extLst>
+                </a:hlinkClick>
+              </a:rPr>
+              <a:t>Power BI Permissions</a:t>
+            </a:r>
+            <a:r>
+              <a:rPr lang="en-US" sz="2000" dirty="0">
+                <a:solidFill>
+                  <a:schemeClr val="tx1"/>
+                </a:solidFill>
+                <a:latin typeface="+mn-lt"/>
+              </a:rPr>
+              <a:t>. </a:t>
+            </a:r>
+          </a:p>
+          <a:p>
+            <a:r>
+              <a:rPr lang="en-US" sz="2000" dirty="0">
+                <a:solidFill>
+                  <a:schemeClr val="tx1"/>
+                </a:solidFill>
+                <a:latin typeface="+mn-lt"/>
+              </a:rPr>
+              <a:t>Then select </a:t>
+            </a:r>
+            <a:r>
+              <a:rPr lang="en-US" sz="2000" b="1" dirty="0">
+                <a:solidFill>
+                  <a:schemeClr val="tx1"/>
+                </a:solidFill>
+                <a:latin typeface="+mn-lt"/>
+              </a:rPr>
+              <a:t>Register</a:t>
+            </a:r>
+            <a:r>
+              <a:rPr lang="en-US" sz="2000" dirty="0">
+                <a:solidFill>
+                  <a:schemeClr val="tx1"/>
+                </a:solidFill>
+                <a:latin typeface="+mn-lt"/>
+              </a:rPr>
+              <a:t>.</a:t>
+            </a:r>
           </a:p>
         </p:txBody>
       </p:sp>
-      <p:sp>
-        <p:nvSpPr>
-          <p:cNvPr id="5" name="Text Placeholder 4">
+      <p:pic>
+        <p:nvPicPr>
+          <p:cNvPr id="1028" name="Picture 4" descr="Choose APIs to register">
             <a:extLst>
               <a:ext uri="{FF2B5EF4-FFF2-40B4-BE49-F238E27FC236}">
-                <a16:creationId xmlns:a16="http://schemas.microsoft.com/office/drawing/2014/main" id="{0D3B65E4-3ABD-4555-9A90-072B0AE0CD6D}"/>
+                <a16:creationId xmlns:a16="http://schemas.microsoft.com/office/drawing/2014/main" id="{4F930CCA-3BCF-480F-B7A7-93CB2C1E637B}"/>
               </a:ext>
             </a:extLst>
           </p:cNvPr>
-          <p:cNvSpPr>
-            <a:spLocks noGrp="1"/>
-          </p:cNvSpPr>
-          <p:nvPr>
-            <p:ph type="body" sz="quarter" idx="3"/>
-          </p:nvPr>
+          <p:cNvPicPr>
+            <a:picLocks noChangeAspect="1" noChangeArrowheads="1"/>
+          </p:cNvPicPr>
+          <p:nvPr/>
+        </p:nvPicPr>
+        <p:blipFill>
+          <a:blip r:embed="rId3">
+            <a:extLst>
+              <a:ext uri="{28A0092B-C50C-407E-A947-70E740481C1C}">
+                <a14:useLocalDpi xmlns:a14="http://schemas.microsoft.com/office/drawing/2010/main" val="0"/>
+              </a:ext>
+            </a:extLst>
+          </a:blip>
+          <a:srcRect/>
+          <a:stretch>
+            <a:fillRect/>
+          </a:stretch>
+        </p:blipFill>
+        <p:spPr bwMode="auto">
+          <a:xfrm>
+            <a:off x="6544213" y="1649741"/>
+            <a:ext cx="4694000" cy="2958353"/>
+          </a:xfrm>
+          <a:prstGeom prst="rect">
+            <a:avLst/>
+          </a:prstGeom>
+          <a:noFill/>
+          <a:extLst>
+            <a:ext uri="{909E8E84-426E-40DD-AFC4-6F175D3DCCD1}">
+              <a14:hiddenFill xmlns:a14="http://schemas.microsoft.com/office/drawing/2010/main">
+                <a:solidFill>
+                  <a:srgbClr val="FFFFFF"/>
+                </a:solidFill>
+              </a14:hiddenFill>
+            </a:ext>
+          </a:extLst>
+        </p:spPr>
+      </p:pic>
+      <p:sp>
+        <p:nvSpPr>
+          <p:cNvPr id="5" name="Rectangle 4">
+            <a:extLst>
+              <a:ext uri="{FF2B5EF4-FFF2-40B4-BE49-F238E27FC236}">
+                <a16:creationId xmlns:a16="http://schemas.microsoft.com/office/drawing/2014/main" id="{F1442462-7ED7-4828-A80D-ED0FFB0F15DA}"/>
+              </a:ext>
+            </a:extLst>
+          </p:cNvPr>
+          <p:cNvSpPr/>
+          <p:nvPr/>
         </p:nvSpPr>
         <p:spPr>
           <a:xfrm>
-            <a:off x="6172200" y="1960310"/>
-            <a:ext cx="5183188" cy="406265"/>
+            <a:off x="268080" y="5068659"/>
+            <a:ext cx="11655840" cy="1200329"/>
           </a:xfrm>
+          <a:prstGeom prst="rect">
+            <a:avLst/>
+          </a:prstGeom>
         </p:spPr>
         <p:txBody>
-          <a:bodyPr anchor="ctr"/>
+          <a:bodyPr wrap="square">
+            <a:spAutoFit/>
+          </a:bodyPr>
           <a:lstStyle/>
           <a:p>
-            <a:endParaRPr lang="en-US" sz="1600" dirty="0"/>
-          </a:p>
-        </p:txBody>
-      </p:sp>
-      <p:sp>
-        <p:nvSpPr>
-          <p:cNvPr id="6" name="Content Placeholder 5">
-            <a:extLst>
-              <a:ext uri="{FF2B5EF4-FFF2-40B4-BE49-F238E27FC236}">
-                <a16:creationId xmlns:a16="http://schemas.microsoft.com/office/drawing/2014/main" id="{8C9DC2E3-6A23-4749-93BF-4BD180BCA396}"/>
-              </a:ext>
-            </a:extLst>
-          </p:cNvPr>
-          <p:cNvSpPr>
-            <a:spLocks noGrp="1"/>
-          </p:cNvSpPr>
-          <p:nvPr>
-            <p:ph sz="quarter" idx="4"/>
-          </p:nvPr>
-        </p:nvSpPr>
-        <p:spPr>
-          <a:xfrm>
-            <a:off x="6172200" y="2505075"/>
-            <a:ext cx="5183188" cy="406265"/>
-          </a:xfrm>
-        </p:spPr>
-        <p:txBody>
-          <a:bodyPr/>
-          <a:lstStyle/>
-          <a:p>
-            <a:endParaRPr lang="en-US" sz="1600" dirty="0"/>
+            <a:pPr algn="ctr"/>
+            <a:r>
+              <a:rPr lang="en-US" dirty="0">
+                <a:latin typeface="docons"/>
+              </a:rPr>
+              <a:t> Important</a:t>
+            </a:r>
+          </a:p>
+          <a:p>
+            <a:pPr algn="ctr"/>
+            <a:endParaRPr lang="en-US" dirty="0">
+              <a:latin typeface="docons"/>
+            </a:endParaRPr>
+          </a:p>
+          <a:p>
+            <a:pPr algn="ctr"/>
+            <a:r>
+              <a:rPr lang="en-US" dirty="0">
+                <a:latin typeface="docons"/>
+              </a:rPr>
+              <a:t>If you enable service principals to be used with Power BI, the Azure Active Directory permissions don't take effect anymore. The permissions are managed through the Power BI admin portal.</a:t>
+            </a:r>
           </a:p>
         </p:txBody>
       </p:sp>
     </p:spTree>
     <p:extLst>
       <p:ext uri="{BB962C8B-B14F-4D97-AF65-F5344CB8AC3E}">
-        <p14:creationId xmlns:p14="http://schemas.microsoft.com/office/powerpoint/2010/main" val="2835079792"/>
+        <p14:creationId xmlns:p14="http://schemas.microsoft.com/office/powerpoint/2010/main" val="4126011911"/>
       </p:ext>
     </p:extLst>
   </p:cSld>
   <p:clrMapOvr>
     <a:masterClrMapping/>
   </p:clrMapOvr>
+  <p:transition>
+    <p:fade/>
+  </p:transition>
 </p:sld>
 </file>
 
@@ -15162,7 +15753,48 @@
       </p:grpSpPr>
       <p:sp>
         <p:nvSpPr>
-          <p:cNvPr id="2" name="Title 1"/>
+          <p:cNvPr id="6" name="Text Placeholder 5">
+            <a:extLst>
+              <a:ext uri="{FF2B5EF4-FFF2-40B4-BE49-F238E27FC236}">
+                <a16:creationId xmlns:a16="http://schemas.microsoft.com/office/drawing/2014/main" id="{51D68E8B-FA5E-4B9B-820A-53618EED7EB0}"/>
+              </a:ext>
+            </a:extLst>
+          </p:cNvPr>
+          <p:cNvSpPr>
+            <a:spLocks noGrp="1"/>
+          </p:cNvSpPr>
+          <p:nvPr>
+            <p:ph type="body" sz="quarter" idx="10"/>
+          </p:nvPr>
+        </p:nvSpPr>
+        <p:spPr>
+          <a:xfrm>
+            <a:off x="269239" y="1189177"/>
+            <a:ext cx="11653523" cy="744178"/>
+          </a:xfrm>
+        </p:spPr>
+        <p:txBody>
+          <a:bodyPr/>
+          <a:lstStyle/>
+          <a:p>
+            <a:r>
+              <a:rPr lang="en-US" sz="2020" dirty="0">
+                <a:latin typeface="+mn-lt"/>
+              </a:rPr>
+              <a:t>Enable additional permissions to your application in addition to what the app registration page provides. You can accomplish this task through the Azure AD portal</a:t>
+            </a:r>
+          </a:p>
+        </p:txBody>
+      </p:sp>
+      <p:sp>
+        <p:nvSpPr>
+          <p:cNvPr id="5" name="Title 4">
+            <a:extLst>
+              <a:ext uri="{FF2B5EF4-FFF2-40B4-BE49-F238E27FC236}">
+                <a16:creationId xmlns:a16="http://schemas.microsoft.com/office/drawing/2014/main" id="{24B455FB-AE13-4EE0-8713-341C2BC6C3D7}"/>
+              </a:ext>
+            </a:extLst>
+          </p:cNvPr>
           <p:cNvSpPr>
             <a:spLocks noGrp="1"/>
           </p:cNvSpPr>
@@ -15176,38 +15808,222 @@
           <a:lstStyle/>
           <a:p>
             <a:r>
-              <a:rPr lang="en-US" dirty="0">
-                <a:solidFill>
-                  <a:schemeClr val="tx1"/>
-                </a:solidFill>
-              </a:rPr>
-              <a:t>Wrap Up</a:t>
+              <a:rPr lang="en-US" sz="4400" dirty="0"/>
+              <a:t>Apply permissions to your App within Azure AD</a:t>
             </a:r>
           </a:p>
         </p:txBody>
       </p:sp>
+      <p:sp>
+        <p:nvSpPr>
+          <p:cNvPr id="7" name="Rectangle 6">
+            <a:extLst>
+              <a:ext uri="{FF2B5EF4-FFF2-40B4-BE49-F238E27FC236}">
+                <a16:creationId xmlns:a16="http://schemas.microsoft.com/office/drawing/2014/main" id="{8A500D86-5BE4-4610-8354-A5EC0ED82275}"/>
+              </a:ext>
+            </a:extLst>
+          </p:cNvPr>
+          <p:cNvSpPr/>
+          <p:nvPr/>
+        </p:nvSpPr>
+        <p:spPr>
+          <a:xfrm>
+            <a:off x="269238" y="2794465"/>
+            <a:ext cx="6517043" cy="707886"/>
+          </a:xfrm>
+          <a:prstGeom prst="rect">
+            <a:avLst/>
+          </a:prstGeom>
+        </p:spPr>
+        <p:txBody>
+          <a:bodyPr wrap="square" anchor="ctr">
+            <a:spAutoFit/>
+          </a:bodyPr>
+          <a:lstStyle/>
+          <a:p>
+            <a:pPr marL="457200" indent="-457200">
+              <a:buFont typeface="+mj-lt"/>
+              <a:buAutoNum type="arabicPeriod"/>
+            </a:pPr>
+            <a:r>
+              <a:rPr lang="en-US" sz="2000" dirty="0"/>
+              <a:t>Browse to </a:t>
+            </a:r>
+            <a:r>
+              <a:rPr lang="en-US" sz="2000" u="sng" dirty="0">
+                <a:hlinkClick r:id="rId2">
+                  <a:extLst>
+                    <a:ext uri="{A12FA001-AC4F-418D-AE19-62706E023703}">
+                      <ahyp:hlinkClr xmlns:ahyp="http://schemas.microsoft.com/office/drawing/2018/hyperlinkcolor" val="tx"/>
+                    </a:ext>
+                  </a:extLst>
+                </a:hlinkClick>
+              </a:rPr>
+              <a:t>App registrations</a:t>
+            </a:r>
+            <a:r>
+              <a:rPr lang="en-US" sz="2000" dirty="0"/>
+              <a:t> within the Azure portal and select the app that you're using for embedding.</a:t>
+            </a:r>
+          </a:p>
+        </p:txBody>
+      </p:sp>
+      <p:sp>
+        <p:nvSpPr>
+          <p:cNvPr id="10" name="AutoShape 6" descr="Azure AD registered apps">
+            <a:extLst>
+              <a:ext uri="{FF2B5EF4-FFF2-40B4-BE49-F238E27FC236}">
+                <a16:creationId xmlns:a16="http://schemas.microsoft.com/office/drawing/2014/main" id="{115327D9-BCED-4D99-8711-EA38CD0DBFB5}"/>
+              </a:ext>
+            </a:extLst>
+          </p:cNvPr>
+          <p:cNvSpPr>
+            <a:spLocks noChangeAspect="1" noChangeArrowheads="1"/>
+          </p:cNvSpPr>
+          <p:nvPr/>
+        </p:nvSpPr>
+        <p:spPr bwMode="auto">
+          <a:xfrm>
+            <a:off x="5943600" y="3276600"/>
+            <a:ext cx="304800" cy="304800"/>
+          </a:xfrm>
+          <a:prstGeom prst="rect">
+            <a:avLst/>
+          </a:prstGeom>
+          <a:noFill/>
+          <a:extLst>
+            <a:ext uri="{909E8E84-426E-40DD-AFC4-6F175D3DCCD1}">
+              <a14:hiddenFill xmlns:a14="http://schemas.microsoft.com/office/drawing/2010/main">
+                <a:solidFill>
+                  <a:srgbClr val="FFFFFF"/>
+                </a:solidFill>
+              </a14:hiddenFill>
+            </a:ext>
+          </a:extLst>
+        </p:spPr>
+        <p:txBody>
+          <a:bodyPr vert="horz" wrap="square" lIns="91440" tIns="45720" rIns="91440" bIns="45720" numCol="1" anchor="t" anchorCtr="0" compatLnSpc="1">
+            <a:prstTxWarp prst="textNoShape">
+              <a:avLst/>
+            </a:prstTxWarp>
+          </a:bodyPr>
+          <a:lstStyle/>
+          <a:p>
+            <a:endParaRPr lang="en-US"/>
+          </a:p>
+        </p:txBody>
+      </p:sp>
+      <p:pic>
+        <p:nvPicPr>
+          <p:cNvPr id="11" name="Picture 10">
+            <a:extLst>
+              <a:ext uri="{FF2B5EF4-FFF2-40B4-BE49-F238E27FC236}">
+                <a16:creationId xmlns:a16="http://schemas.microsoft.com/office/drawing/2014/main" id="{1780A86C-F64A-44E0-920B-2139EA81A936}"/>
+              </a:ext>
+            </a:extLst>
+          </p:cNvPr>
+          <p:cNvPicPr>
+            <a:picLocks noChangeAspect="1"/>
+          </p:cNvPicPr>
+          <p:nvPr/>
+        </p:nvPicPr>
+        <p:blipFill>
+          <a:blip r:embed="rId3"/>
+          <a:stretch>
+            <a:fillRect/>
+          </a:stretch>
+        </p:blipFill>
+        <p:spPr>
+          <a:xfrm>
+            <a:off x="7534836" y="2201419"/>
+            <a:ext cx="3560108" cy="1893977"/>
+          </a:xfrm>
+          <a:prstGeom prst="rect">
+            <a:avLst/>
+          </a:prstGeom>
+        </p:spPr>
+      </p:pic>
+      <p:sp>
+        <p:nvSpPr>
+          <p:cNvPr id="12" name="Rectangle 11">
+            <a:extLst>
+              <a:ext uri="{FF2B5EF4-FFF2-40B4-BE49-F238E27FC236}">
+                <a16:creationId xmlns:a16="http://schemas.microsoft.com/office/drawing/2014/main" id="{4F679B08-C763-4BC7-AAB3-2E9AD9D0CB0A}"/>
+              </a:ext>
+            </a:extLst>
+          </p:cNvPr>
+          <p:cNvSpPr/>
+          <p:nvPr/>
+        </p:nvSpPr>
+        <p:spPr>
+          <a:xfrm>
+            <a:off x="269238" y="4969440"/>
+            <a:ext cx="6096000" cy="400110"/>
+          </a:xfrm>
+          <a:prstGeom prst="rect">
+            <a:avLst/>
+          </a:prstGeom>
+        </p:spPr>
+        <p:txBody>
+          <a:bodyPr wrap="square" anchor="ctr">
+            <a:spAutoFit/>
+          </a:bodyPr>
+          <a:lstStyle/>
+          <a:p>
+            <a:pPr marL="457200" indent="-457200">
+              <a:buFont typeface="+mj-lt"/>
+              <a:buAutoNum type="arabicPeriod" startAt="2"/>
+            </a:pPr>
+            <a:r>
+              <a:rPr lang="en-US" sz="2000" dirty="0"/>
+              <a:t>Select Required permissions under API Access.</a:t>
+            </a:r>
+          </a:p>
+        </p:txBody>
+      </p:sp>
+      <p:pic>
+        <p:nvPicPr>
+          <p:cNvPr id="15" name="Picture 14">
+            <a:extLst>
+              <a:ext uri="{FF2B5EF4-FFF2-40B4-BE49-F238E27FC236}">
+                <a16:creationId xmlns:a16="http://schemas.microsoft.com/office/drawing/2014/main" id="{6805BD9E-A8E4-4953-8F6A-BD51C18DCEAA}"/>
+              </a:ext>
+            </a:extLst>
+          </p:cNvPr>
+          <p:cNvPicPr>
+            <a:picLocks noChangeAspect="1"/>
+          </p:cNvPicPr>
+          <p:nvPr/>
+        </p:nvPicPr>
+        <p:blipFill>
+          <a:blip r:embed="rId4"/>
+          <a:stretch>
+            <a:fillRect/>
+          </a:stretch>
+        </p:blipFill>
+        <p:spPr>
+          <a:xfrm>
+            <a:off x="8468005" y="4266525"/>
+            <a:ext cx="1693769" cy="1805939"/>
+          </a:xfrm>
+          <a:prstGeom prst="rect">
+            <a:avLst/>
+          </a:prstGeom>
+        </p:spPr>
+      </p:pic>
     </p:spTree>
     <p:extLst>
       <p:ext uri="{BB962C8B-B14F-4D97-AF65-F5344CB8AC3E}">
-        <p14:creationId xmlns:p14="http://schemas.microsoft.com/office/powerpoint/2010/main" val="2714070568"/>
+        <p14:creationId xmlns:p14="http://schemas.microsoft.com/office/powerpoint/2010/main" val="1859377007"/>
       </p:ext>
     </p:extLst>
   </p:cSld>
   <p:clrMapOvr>
     <a:masterClrMapping/>
   </p:clrMapOvr>
-  <mc:AlternateContent xmlns:mc="http://schemas.openxmlformats.org/markup-compatibility/2006" xmlns:p14="http://schemas.microsoft.com/office/powerpoint/2010/main">
-    <mc:Choice Requires="p14">
-      <p:transition spd="med" p14:dur="700">
-        <p:fade/>
-      </p:transition>
-    </mc:Choice>
-    <mc:Fallback xmlns="">
-      <p:transition spd="med">
-        <p:fade/>
-      </p:transition>
-    </mc:Fallback>
-  </mc:AlternateContent>
+  <p:transition>
+    <p:fade/>
+  </p:transition>
 </p:sld>
 </file>
 
@@ -16077,6 +16893,15 @@
 </file>
 
 <file path=customXml/item1.xml><?xml version="1.0" encoding="utf-8"?>
+<p:properties xmlns:p="http://schemas.microsoft.com/office/2006/metadata/properties" xmlns:xsi="http://www.w3.org/2001/XMLSchema-instance" xmlns:pc="http://schemas.microsoft.com/office/infopath/2007/PartnerControls">
+  <documentManagement>
+    <_ip_UnifiedCompliancePolicyUIAction xmlns="http://schemas.microsoft.com/sharepoint/v3" xsi:nil="true"/>
+    <_ip_UnifiedCompliancePolicyProperties xmlns="http://schemas.microsoft.com/sharepoint/v3" xsi:nil="true"/>
+  </documentManagement>
+</p:properties>
+</file>
+
+<file path=customXml/item2.xml><?xml version="1.0" encoding="utf-8"?>
 <?mso-contentType ?>
 <FormTemplates xmlns="http://schemas.microsoft.com/sharepoint/v3/contenttype/forms">
   <Display>DocumentLibraryForm</Display>
@@ -16085,7 +16910,7 @@
 </FormTemplates>
 </file>
 
-<file path=customXml/item2.xml><?xml version="1.0" encoding="utf-8"?>
+<file path=customXml/item3.xml><?xml version="1.0" encoding="utf-8"?>
 <ct:contentTypeSchema xmlns:ct="http://schemas.microsoft.com/office/2006/metadata/contentType" xmlns:ma="http://schemas.microsoft.com/office/2006/metadata/properties/metaAttributes" ct:_="" ma:_="" ma:contentTypeName="Document" ma:contentTypeID="0x010100D15DFA3690A15B4081582BBCC6BEAC3E" ma:contentTypeVersion="9" ma:contentTypeDescription="Create a new document." ma:contentTypeScope="" ma:versionID="642da1784587cbe85a7fdbbe4dc36103">
   <xsd:schema xmlns:xsd="http://www.w3.org/2001/XMLSchema" xmlns:xs="http://www.w3.org/2001/XMLSchema" xmlns:p="http://schemas.microsoft.com/office/2006/metadata/properties" xmlns:ns1="http://schemas.microsoft.com/sharepoint/v3" xmlns:ns2="2023ac63-7b75-4916-a9ee-591457758eee" xmlns:ns3="d9c797ad-d7c3-4982-82b7-81352a75e4a5" targetNamespace="http://schemas.microsoft.com/office/2006/metadata/properties" ma:root="true" ma:fieldsID="91198b0246576053cc55dd2c67035a89" ns1:_="" ns2:_="" ns3:_="">
     <xsd:import namespace="http://schemas.microsoft.com/sharepoint/v3"/>
@@ -16287,16 +17112,25 @@
 </ct:contentTypeSchema>
 </file>
 
-<file path=customXml/item3.xml><?xml version="1.0" encoding="utf-8"?>
-<p:properties xmlns:p="http://schemas.microsoft.com/office/2006/metadata/properties" xmlns:xsi="http://www.w3.org/2001/XMLSchema-instance" xmlns:pc="http://schemas.microsoft.com/office/infopath/2007/PartnerControls">
-  <documentManagement>
-    <_ip_UnifiedCompliancePolicyUIAction xmlns="http://schemas.microsoft.com/sharepoint/v3" xsi:nil="true"/>
-    <_ip_UnifiedCompliancePolicyProperties xmlns="http://schemas.microsoft.com/sharepoint/v3" xsi:nil="true"/>
-  </documentManagement>
-</p:properties>
+<file path=customXml/itemProps1.xml><?xml version="1.0" encoding="utf-8"?>
+<ds:datastoreItem xmlns:ds="http://schemas.openxmlformats.org/officeDocument/2006/customXml" ds:itemID="{BAF7D529-36AB-45DA-B239-2F912F2D1610}">
+  <ds:schemaRefs>
+    <ds:schemaRef ds:uri="http://schemas.microsoft.com/office/2006/metadata/properties"/>
+    <ds:schemaRef ds:uri="d9c797ad-d7c3-4982-82b7-81352a75e4a5"/>
+    <ds:schemaRef ds:uri="http://purl.org/dc/terms/"/>
+    <ds:schemaRef ds:uri="2023ac63-7b75-4916-a9ee-591457758eee"/>
+    <ds:schemaRef ds:uri="http://purl.org/dc/elements/1.1/"/>
+    <ds:schemaRef ds:uri="http://schemas.openxmlformats.org/package/2006/metadata/core-properties"/>
+    <ds:schemaRef ds:uri="http://purl.org/dc/dcmitype/"/>
+    <ds:schemaRef ds:uri="http://schemas.microsoft.com/office/2006/documentManagement/types"/>
+    <ds:schemaRef ds:uri="http://schemas.microsoft.com/office/infopath/2007/PartnerControls"/>
+    <ds:schemaRef ds:uri="http://schemas.microsoft.com/sharepoint/v3"/>
+    <ds:schemaRef ds:uri="http://www.w3.org/XML/1998/namespace"/>
+  </ds:schemaRefs>
+</ds:datastoreItem>
 </file>
 
-<file path=customXml/itemProps1.xml><?xml version="1.0" encoding="utf-8"?>
+<file path=customXml/itemProps2.xml><?xml version="1.0" encoding="utf-8"?>
 <ds:datastoreItem xmlns:ds="http://schemas.openxmlformats.org/officeDocument/2006/customXml" ds:itemID="{F18501AF-04CF-4482-BAE1-607B49DDC378}">
   <ds:schemaRefs>
     <ds:schemaRef ds:uri="http://schemas.microsoft.com/sharepoint/v3/contenttype/forms"/>
@@ -16304,7 +17138,7 @@
 </ds:datastoreItem>
 </file>
 
-<file path=customXml/itemProps2.xml><?xml version="1.0" encoding="utf-8"?>
+<file path=customXml/itemProps3.xml><?xml version="1.0" encoding="utf-8"?>
 <ds:datastoreItem xmlns:ds="http://schemas.openxmlformats.org/officeDocument/2006/customXml" ds:itemID="{255F5BEB-6AD6-480A-8556-C80C5EBC10F2}">
   <ds:schemaRefs>
     <ds:schemaRef ds:uri="http://schemas.microsoft.com/office/2006/metadata/contentType"/>
@@ -16322,22 +17156,4 @@
     <ds:schemaRef ds:uri="http://schemas.microsoft.com/internal/obd"/>
   </ds:schemaRefs>
 </ds:datastoreItem>
-</file>
-
-<file path=customXml/itemProps3.xml><?xml version="1.0" encoding="utf-8"?>
-<ds:datastoreItem xmlns:ds="http://schemas.openxmlformats.org/officeDocument/2006/customXml" ds:itemID="{BAF7D529-36AB-45DA-B239-2F912F2D1610}">
-  <ds:schemaRefs>
-    <ds:schemaRef ds:uri="http://schemas.microsoft.com/office/2006/metadata/properties"/>
-    <ds:schemaRef ds:uri="d9c797ad-d7c3-4982-82b7-81352a75e4a5"/>
-    <ds:schemaRef ds:uri="http://purl.org/dc/terms/"/>
-    <ds:schemaRef ds:uri="2023ac63-7b75-4916-a9ee-591457758eee"/>
-    <ds:schemaRef ds:uri="http://purl.org/dc/elements/1.1/"/>
-    <ds:schemaRef ds:uri="http://schemas.openxmlformats.org/package/2006/metadata/core-properties"/>
-    <ds:schemaRef ds:uri="http://purl.org/dc/dcmitype/"/>
-    <ds:schemaRef ds:uri="http://schemas.microsoft.com/office/2006/documentManagement/types"/>
-    <ds:schemaRef ds:uri="http://schemas.microsoft.com/office/infopath/2007/PartnerControls"/>
-    <ds:schemaRef ds:uri="http://schemas.microsoft.com/sharepoint/v3"/>
-    <ds:schemaRef ds:uri="http://www.w3.org/XML/1998/namespace"/>
-  </ds:schemaRefs>
-</ds:datastoreItem>
 </file>